--- a/Presentation/structure.pptx
+++ b/Presentation/structure.pptx
@@ -1,19 +1,22 @@
 
 <file path=ppt/presentation.xml><?xml version="1.0" encoding="utf-8"?>
-<p:presentation xmlns:a="http://schemas.openxmlformats.org/drawingml/2006/main" xmlns:r="http://schemas.openxmlformats.org/officeDocument/2006/relationships" xmlns:p="http://schemas.openxmlformats.org/presentationml/2006/main" saveSubsetFonts="1">
+<p:presentation xmlns:a="http://schemas.openxmlformats.org/drawingml/2006/main" xmlns:r="http://schemas.openxmlformats.org/officeDocument/2006/relationships" xmlns:p="http://schemas.openxmlformats.org/presentationml/2006/main" autoCompressPictures="0">
   <p:sldMasterIdLst>
     <p:sldMasterId id="2147483648" r:id="rId1"/>
   </p:sldMasterIdLst>
   <p:sldIdLst>
     <p:sldId id="256" r:id="rId2"/>
+    <p:sldId id="258" r:id="rId3"/>
+    <p:sldId id="257" r:id="rId4"/>
+    <p:sldId id="259" r:id="rId5"/>
   </p:sldIdLst>
   <p:sldSz cx="12192000" cy="6858000"/>
   <p:notesSz cx="6858000" cy="9144000"/>
   <p:defaultTextStyle>
     <a:defPPr>
-      <a:defRPr lang="fr-FR"/>
+      <a:defRPr lang="en-US"/>
     </a:defPPr>
-    <a:lvl1pPr marL="0" algn="l" defTabSz="914400" rtl="0" eaLnBrk="1" latinLnBrk="0" hangingPunct="1">
+    <a:lvl1pPr marL="0" algn="l" defTabSz="457200" rtl="0" eaLnBrk="1" latinLnBrk="0" hangingPunct="1">
       <a:defRPr sz="1800" kern="1200">
         <a:solidFill>
           <a:schemeClr val="tx1"/>
@@ -23,7 +26,7 @@
         <a:cs typeface="+mn-cs"/>
       </a:defRPr>
     </a:lvl1pPr>
-    <a:lvl2pPr marL="457200" algn="l" defTabSz="914400" rtl="0" eaLnBrk="1" latinLnBrk="0" hangingPunct="1">
+    <a:lvl2pPr marL="457200" algn="l" defTabSz="457200" rtl="0" eaLnBrk="1" latinLnBrk="0" hangingPunct="1">
       <a:defRPr sz="1800" kern="1200">
         <a:solidFill>
           <a:schemeClr val="tx1"/>
@@ -33,7 +36,7 @@
         <a:cs typeface="+mn-cs"/>
       </a:defRPr>
     </a:lvl2pPr>
-    <a:lvl3pPr marL="914400" algn="l" defTabSz="914400" rtl="0" eaLnBrk="1" latinLnBrk="0" hangingPunct="1">
+    <a:lvl3pPr marL="914400" algn="l" defTabSz="457200" rtl="0" eaLnBrk="1" latinLnBrk="0" hangingPunct="1">
       <a:defRPr sz="1800" kern="1200">
         <a:solidFill>
           <a:schemeClr val="tx1"/>
@@ -43,7 +46,7 @@
         <a:cs typeface="+mn-cs"/>
       </a:defRPr>
     </a:lvl3pPr>
-    <a:lvl4pPr marL="1371600" algn="l" defTabSz="914400" rtl="0" eaLnBrk="1" latinLnBrk="0" hangingPunct="1">
+    <a:lvl4pPr marL="1371600" algn="l" defTabSz="457200" rtl="0" eaLnBrk="1" latinLnBrk="0" hangingPunct="1">
       <a:defRPr sz="1800" kern="1200">
         <a:solidFill>
           <a:schemeClr val="tx1"/>
@@ -53,7 +56,7 @@
         <a:cs typeface="+mn-cs"/>
       </a:defRPr>
     </a:lvl4pPr>
-    <a:lvl5pPr marL="1828800" algn="l" defTabSz="914400" rtl="0" eaLnBrk="1" latinLnBrk="0" hangingPunct="1">
+    <a:lvl5pPr marL="1828800" algn="l" defTabSz="457200" rtl="0" eaLnBrk="1" latinLnBrk="0" hangingPunct="1">
       <a:defRPr sz="1800" kern="1200">
         <a:solidFill>
           <a:schemeClr val="tx1"/>
@@ -63,7 +66,7 @@
         <a:cs typeface="+mn-cs"/>
       </a:defRPr>
     </a:lvl5pPr>
-    <a:lvl6pPr marL="2286000" algn="l" defTabSz="914400" rtl="0" eaLnBrk="1" latinLnBrk="0" hangingPunct="1">
+    <a:lvl6pPr marL="2286000" algn="l" defTabSz="457200" rtl="0" eaLnBrk="1" latinLnBrk="0" hangingPunct="1">
       <a:defRPr sz="1800" kern="1200">
         <a:solidFill>
           <a:schemeClr val="tx1"/>
@@ -73,7 +76,7 @@
         <a:cs typeface="+mn-cs"/>
       </a:defRPr>
     </a:lvl6pPr>
-    <a:lvl7pPr marL="2743200" algn="l" defTabSz="914400" rtl="0" eaLnBrk="1" latinLnBrk="0" hangingPunct="1">
+    <a:lvl7pPr marL="2743200" algn="l" defTabSz="457200" rtl="0" eaLnBrk="1" latinLnBrk="0" hangingPunct="1">
       <a:defRPr sz="1800" kern="1200">
         <a:solidFill>
           <a:schemeClr val="tx1"/>
@@ -83,7 +86,7 @@
         <a:cs typeface="+mn-cs"/>
       </a:defRPr>
     </a:lvl7pPr>
-    <a:lvl8pPr marL="3200400" algn="l" defTabSz="914400" rtl="0" eaLnBrk="1" latinLnBrk="0" hangingPunct="1">
+    <a:lvl8pPr marL="3200400" algn="l" defTabSz="457200" rtl="0" eaLnBrk="1" latinLnBrk="0" hangingPunct="1">
       <a:defRPr sz="1800" kern="1200">
         <a:solidFill>
           <a:schemeClr val="tx1"/>
@@ -93,7 +96,7 @@
         <a:cs typeface="+mn-cs"/>
       </a:defRPr>
     </a:lvl8pPr>
-    <a:lvl9pPr marL="3657600" algn="l" defTabSz="914400" rtl="0" eaLnBrk="1" latinLnBrk="0" hangingPunct="1">
+    <a:lvl9pPr marL="3657600" algn="l" defTabSz="457200" rtl="0" eaLnBrk="1" latinLnBrk="0" hangingPunct="1">
       <a:defRPr sz="1800" kern="1200">
         <a:solidFill>
           <a:schemeClr val="tx1"/>
@@ -104,11 +107,16 @@
       </a:defRPr>
     </a:lvl9pPr>
   </p:defaultTextStyle>
+  <p:extLst>
+    <p:ext uri="{EFAFB233-063F-42B5-8137-9DF3F51BA10A}">
+      <p15:sldGuideLst xmlns:p15="http://schemas.microsoft.com/office/powerpoint/2012/main"/>
+    </p:ext>
+  </p:extLst>
 </p:presentation>
 </file>
 
 <file path=ppt/slideLayouts/slideLayout1.xml><?xml version="1.0" encoding="utf-8"?>
-<p:sldLayout xmlns:a="http://schemas.openxmlformats.org/drawingml/2006/main" xmlns:r="http://schemas.openxmlformats.org/officeDocument/2006/relationships" xmlns:p="http://schemas.openxmlformats.org/presentationml/2006/main" type="title" preserve="1">
+<p:sldLayout xmlns:a="http://schemas.openxmlformats.org/drawingml/2006/main" xmlns:r="http://schemas.openxmlformats.org/officeDocument/2006/relationships" xmlns:p="http://schemas.openxmlformats.org/presentationml/2006/main" showMasterSp="0" type="title" preserve="1">
   <p:cSld name="Diapositive de titre">
     <p:spTree>
       <p:nvGrpSpPr>
@@ -126,25 +134,113 @@
       </p:grpSpPr>
       <p:sp>
         <p:nvSpPr>
-          <p:cNvPr id="2" name="Titre 1"/>
-          <p:cNvSpPr>
-            <a:spLocks noGrp="1"/>
-          </p:cNvSpPr>
-          <p:nvPr>
-            <p:ph type="ctrTitle"/>
-          </p:nvPr>
+          <p:cNvPr id="7" name="Rectangle 6"/>
+          <p:cNvSpPr/>
+          <p:nvPr/>
         </p:nvSpPr>
         <p:spPr>
           <a:xfrm>
-            <a:off x="1524000" y="1122363"/>
-            <a:ext cx="9144000" cy="2387600"/>
+            <a:off x="3175" y="6400800"/>
+            <a:ext cx="12188825" cy="457200"/>
+          </a:xfrm>
+          <a:prstGeom prst="rect">
+            <a:avLst/>
+          </a:prstGeom>
+          <a:solidFill>
+            <a:schemeClr val="accent2"/>
+          </a:solidFill>
+          <a:ln>
+            <a:noFill/>
+          </a:ln>
+        </p:spPr>
+        <p:style>
+          <a:lnRef idx="2">
+            <a:schemeClr val="accent1">
+              <a:shade val="50000"/>
+            </a:schemeClr>
+          </a:lnRef>
+          <a:fillRef idx="1">
+            <a:schemeClr val="accent1"/>
+          </a:fillRef>
+          <a:effectRef idx="0">
+            <a:schemeClr val="accent1"/>
+          </a:effectRef>
+          <a:fontRef idx="minor">
+            <a:schemeClr val="lt1"/>
+          </a:fontRef>
+        </p:style>
+      </p:sp>
+      <p:sp>
+        <p:nvSpPr>
+          <p:cNvPr id="8" name="Rectangle 7"/>
+          <p:cNvSpPr/>
+          <p:nvPr/>
+        </p:nvSpPr>
+        <p:spPr>
+          <a:xfrm>
+            <a:off x="15" y="6334316"/>
+            <a:ext cx="12188825" cy="64008"/>
+          </a:xfrm>
+          <a:prstGeom prst="rect">
+            <a:avLst/>
+          </a:prstGeom>
+          <a:solidFill>
+            <a:schemeClr val="accent1"/>
+          </a:solidFill>
+          <a:ln>
+            <a:noFill/>
+          </a:ln>
+        </p:spPr>
+        <p:style>
+          <a:lnRef idx="2">
+            <a:schemeClr val="accent1">
+              <a:shade val="50000"/>
+            </a:schemeClr>
+          </a:lnRef>
+          <a:fillRef idx="1">
+            <a:schemeClr val="accent1"/>
+          </a:fillRef>
+          <a:effectRef idx="0">
+            <a:schemeClr val="accent1"/>
+          </a:effectRef>
+          <a:fontRef idx="minor">
+            <a:schemeClr val="lt1"/>
+          </a:fontRef>
+        </p:style>
+      </p:sp>
+      <p:sp>
+        <p:nvSpPr>
+          <p:cNvPr id="2" name="Title 1"/>
+          <p:cNvSpPr>
+            <a:spLocks noGrp="1"/>
+          </p:cNvSpPr>
+          <p:nvPr>
+            <p:ph type="ctrTitle"/>
+          </p:nvPr>
+        </p:nvSpPr>
+        <p:spPr>
+          <a:xfrm>
+            <a:off x="1097280" y="758952"/>
+            <a:ext cx="10058400" cy="3566160"/>
           </a:xfrm>
         </p:spPr>
         <p:txBody>
-          <a:bodyPr anchor="b"/>
+          <a:bodyPr anchor="b">
+            <a:normAutofit/>
+          </a:bodyPr>
           <a:lstStyle>
-            <a:lvl1pPr algn="ctr">
-              <a:defRPr sz="6000"/>
+            <a:lvl1pPr algn="l">
+              <a:lnSpc>
+                <a:spcPct val="85000"/>
+              </a:lnSpc>
+              <a:defRPr sz="8000" spc="-50" baseline="0">
+                <a:solidFill>
+                  <a:schemeClr val="tx1">
+                    <a:lumMod val="85000"/>
+                    <a:lumOff val="15000"/>
+                  </a:schemeClr>
+                </a:solidFill>
+              </a:defRPr>
             </a:lvl1pPr>
           </a:lstStyle>
           <a:p>
@@ -152,13 +248,13 @@
               <a:rPr lang="fr-FR"/>
               <a:t>Modifiez le style du titre</a:t>
             </a:r>
-            <a:endParaRPr lang="fr-FR"/>
-          </a:p>
-        </p:txBody>
-      </p:sp>
-      <p:sp>
-        <p:nvSpPr>
-          <p:cNvPr id="3" name="Sous-titre 2"/>
+            <a:endParaRPr lang="en-US" dirty="0"/>
+          </a:p>
+        </p:txBody>
+      </p:sp>
+      <p:sp>
+        <p:nvSpPr>
+          <p:cNvPr id="3" name="Subtitle 2"/>
           <p:cNvSpPr>
             <a:spLocks noGrp="1"/>
           </p:cNvSpPr>
@@ -168,48 +264,55 @@
         </p:nvSpPr>
         <p:spPr>
           <a:xfrm>
-            <a:off x="1524000" y="3602038"/>
-            <a:ext cx="9144000" cy="1655762"/>
+            <a:off x="1100051" y="4455620"/>
+            <a:ext cx="10058400" cy="1143000"/>
           </a:xfrm>
         </p:spPr>
         <p:txBody>
-          <a:bodyPr/>
+          <a:bodyPr lIns="91440" rIns="91440">
+            <a:normAutofit/>
+          </a:bodyPr>
           <a:lstStyle>
-            <a:lvl1pPr marL="0" indent="0" algn="ctr">
-              <a:buNone/>
-              <a:defRPr sz="2400"/>
+            <a:lvl1pPr marL="0" indent="0" algn="l">
+              <a:buNone/>
+              <a:defRPr sz="2400" cap="all" spc="200" baseline="0">
+                <a:solidFill>
+                  <a:schemeClr val="tx2"/>
+                </a:solidFill>
+                <a:latin typeface="+mj-lt"/>
+              </a:defRPr>
             </a:lvl1pPr>
             <a:lvl2pPr marL="457200" indent="0" algn="ctr">
               <a:buNone/>
-              <a:defRPr sz="2000"/>
+              <a:defRPr sz="2400"/>
             </a:lvl2pPr>
             <a:lvl3pPr marL="914400" indent="0" algn="ctr">
               <a:buNone/>
-              <a:defRPr sz="1800"/>
+              <a:defRPr sz="2400"/>
             </a:lvl3pPr>
             <a:lvl4pPr marL="1371600" indent="0" algn="ctr">
               <a:buNone/>
-              <a:defRPr sz="1600"/>
+              <a:defRPr sz="2000"/>
             </a:lvl4pPr>
             <a:lvl5pPr marL="1828800" indent="0" algn="ctr">
               <a:buNone/>
-              <a:defRPr sz="1600"/>
+              <a:defRPr sz="2000"/>
             </a:lvl5pPr>
             <a:lvl6pPr marL="2286000" indent="0" algn="ctr">
               <a:buNone/>
-              <a:defRPr sz="1600"/>
+              <a:defRPr sz="2000"/>
             </a:lvl6pPr>
             <a:lvl7pPr marL="2743200" indent="0" algn="ctr">
               <a:buNone/>
-              <a:defRPr sz="1600"/>
+              <a:defRPr sz="2000"/>
             </a:lvl7pPr>
             <a:lvl8pPr marL="3200400" indent="0" algn="ctr">
               <a:buNone/>
-              <a:defRPr sz="1600"/>
+              <a:defRPr sz="2000"/>
             </a:lvl8pPr>
             <a:lvl9pPr marL="3657600" indent="0" algn="ctr">
               <a:buNone/>
-              <a:defRPr sz="1600"/>
+              <a:defRPr sz="2000"/>
             </a:lvl9pPr>
           </a:lstStyle>
           <a:p>
@@ -217,13 +320,13 @@
               <a:rPr lang="fr-FR"/>
               <a:t>Modifier le style des sous-titres du masque</a:t>
             </a:r>
-            <a:endParaRPr lang="fr-FR"/>
-          </a:p>
-        </p:txBody>
-      </p:sp>
-      <p:sp>
-        <p:nvSpPr>
-          <p:cNvPr id="4" name="Espace réservé de la date 3"/>
+            <a:endParaRPr lang="en-US" dirty="0"/>
+          </a:p>
+        </p:txBody>
+      </p:sp>
+      <p:sp>
+        <p:nvSpPr>
+          <p:cNvPr id="4" name="Date Placeholder 3"/>
           <p:cNvSpPr>
             <a:spLocks noGrp="1"/>
           </p:cNvSpPr>
@@ -236,17 +339,17 @@
           <a:bodyPr/>
           <a:lstStyle/>
           <a:p>
-            <a:fld id="{2305A949-A63F-4F53-AFC3-083234D358A0}" type="datetimeFigureOut">
-              <a:rPr lang="fr-FR" smtClean="0"/>
-              <a:t>09/12/2016</a:t>
+            <a:fld id="{4BDF68E2-58F2-4D09-BE8B-E3BD06533059}" type="datetimeFigureOut">
+              <a:rPr lang="en-US" dirty="0"/>
+              <a:t>12/9/2016</a:t>
             </a:fld>
-            <a:endParaRPr lang="fr-FR"/>
-          </a:p>
-        </p:txBody>
-      </p:sp>
-      <p:sp>
-        <p:nvSpPr>
-          <p:cNvPr id="5" name="Espace réservé du pied de page 4"/>
+            <a:endParaRPr lang="en-US" dirty="0"/>
+          </a:p>
+        </p:txBody>
+      </p:sp>
+      <p:sp>
+        <p:nvSpPr>
+          <p:cNvPr id="5" name="Footer Placeholder 4"/>
           <p:cNvSpPr>
             <a:spLocks noGrp="1"/>
           </p:cNvSpPr>
@@ -259,13 +362,13 @@
           <a:bodyPr/>
           <a:lstStyle/>
           <a:p>
-            <a:endParaRPr lang="fr-FR"/>
-          </a:p>
-        </p:txBody>
-      </p:sp>
-      <p:sp>
-        <p:nvSpPr>
-          <p:cNvPr id="6" name="Espace réservé du numéro de diapositive 5"/>
+            <a:endParaRPr lang="en-US" dirty="0"/>
+          </a:p>
+        </p:txBody>
+      </p:sp>
+      <p:sp>
+        <p:nvSpPr>
+          <p:cNvPr id="6" name="Slide Number Placeholder 5"/>
           <p:cNvSpPr>
             <a:spLocks noGrp="1"/>
           </p:cNvSpPr>
@@ -278,20 +381,53 @@
           <a:bodyPr/>
           <a:lstStyle/>
           <a:p>
-            <a:fld id="{69822CFD-D397-452F-8B34-5E1C1211DD10}" type="slidenum">
-              <a:rPr lang="fr-FR" smtClean="0"/>
+            <a:fld id="{4FAB73BC-B049-4115-A692-8D63A059BFB8}" type="slidenum">
+              <a:rPr lang="en-US" dirty="0"/>
               <a:t>‹N°›</a:t>
             </a:fld>
-            <a:endParaRPr lang="fr-FR"/>
-          </a:p>
-        </p:txBody>
-      </p:sp>
+            <a:endParaRPr lang="en-US" dirty="0"/>
+          </a:p>
+        </p:txBody>
+      </p:sp>
+      <p:cxnSp>
+        <p:nvCxnSpPr>
+          <p:cNvPr id="9" name="Straight Connector 8"/>
+          <p:cNvCxnSpPr/>
+          <p:nvPr/>
+        </p:nvCxnSpPr>
+        <p:spPr>
+          <a:xfrm>
+            <a:off x="1207658" y="4343400"/>
+            <a:ext cx="9875520" cy="0"/>
+          </a:xfrm>
+          <a:prstGeom prst="line">
+            <a:avLst/>
+          </a:prstGeom>
+          <a:ln w="6350">
+            <a:solidFill>
+              <a:schemeClr val="tx1">
+                <a:lumMod val="50000"/>
+                <a:lumOff val="50000"/>
+              </a:schemeClr>
+            </a:solidFill>
+          </a:ln>
+        </p:spPr>
+        <p:style>
+          <a:lnRef idx="1">
+            <a:schemeClr val="accent1"/>
+          </a:lnRef>
+          <a:fillRef idx="0">
+            <a:schemeClr val="accent1"/>
+          </a:fillRef>
+          <a:effectRef idx="0">
+            <a:schemeClr val="accent1"/>
+          </a:effectRef>
+          <a:fontRef idx="minor">
+            <a:schemeClr val="tx1"/>
+          </a:fontRef>
+        </p:style>
+      </p:cxnSp>
     </p:spTree>
-    <p:extLst>
-      <p:ext uri="{BB962C8B-B14F-4D97-AF65-F5344CB8AC3E}">
-        <p14:creationId xmlns:p14="http://schemas.microsoft.com/office/powerpoint/2010/main" val="1869461969"/>
-      </p:ext>
-    </p:extLst>
   </p:cSld>
   <p:clrMapOvr>
     <a:masterClrMapping/>
@@ -318,7 +454,7 @@
       </p:grpSpPr>
       <p:sp>
         <p:nvSpPr>
-          <p:cNvPr id="2" name="Titre 1"/>
+          <p:cNvPr id="2" name="Title 1"/>
           <p:cNvSpPr>
             <a:spLocks noGrp="1"/>
           </p:cNvSpPr>
@@ -335,13 +471,13 @@
               <a:rPr lang="fr-FR"/>
               <a:t>Modifiez le style du titre</a:t>
             </a:r>
-            <a:endParaRPr lang="fr-FR"/>
-          </a:p>
-        </p:txBody>
-      </p:sp>
-      <p:sp>
-        <p:nvSpPr>
-          <p:cNvPr id="3" name="Espace réservé du texte vertical 2"/>
+            <a:endParaRPr lang="en-US" dirty="0"/>
+          </a:p>
+        </p:txBody>
+      </p:sp>
+      <p:sp>
+        <p:nvSpPr>
+          <p:cNvPr id="3" name="Vertical Text Placeholder 2"/>
           <p:cNvSpPr>
             <a:spLocks noGrp="1"/>
           </p:cNvSpPr>
@@ -351,7 +487,7 @@
         </p:nvSpPr>
         <p:spPr/>
         <p:txBody>
-          <a:bodyPr vert="eaVert"/>
+          <a:bodyPr vert="eaVert" lIns="45720" tIns="0" rIns="45720" bIns="0"/>
           <a:lstStyle/>
           <a:p>
             <a:pPr lvl="0"/>
@@ -387,13 +523,13 @@
               <a:rPr lang="fr-FR"/>
               <a:t>Cinquième niveau</a:t>
             </a:r>
-            <a:endParaRPr lang="fr-FR"/>
-          </a:p>
-        </p:txBody>
-      </p:sp>
-      <p:sp>
-        <p:nvSpPr>
-          <p:cNvPr id="4" name="Espace réservé de la date 3"/>
+            <a:endParaRPr lang="en-US" dirty="0"/>
+          </a:p>
+        </p:txBody>
+      </p:sp>
+      <p:sp>
+        <p:nvSpPr>
+          <p:cNvPr id="4" name="Date Placeholder 3"/>
           <p:cNvSpPr>
             <a:spLocks noGrp="1"/>
           </p:cNvSpPr>
@@ -406,17 +542,17 @@
           <a:bodyPr/>
           <a:lstStyle/>
           <a:p>
-            <a:fld id="{2305A949-A63F-4F53-AFC3-083234D358A0}" type="datetimeFigureOut">
-              <a:rPr lang="fr-FR" smtClean="0"/>
-              <a:t>09/12/2016</a:t>
+            <a:fld id="{2E2D6473-DF6D-4702-B328-E0DD40540A4E}" type="datetimeFigureOut">
+              <a:rPr lang="en-US" dirty="0"/>
+              <a:t>12/9/2016</a:t>
             </a:fld>
-            <a:endParaRPr lang="fr-FR"/>
-          </a:p>
-        </p:txBody>
-      </p:sp>
-      <p:sp>
-        <p:nvSpPr>
-          <p:cNvPr id="5" name="Espace réservé du pied de page 4"/>
+            <a:endParaRPr lang="en-US" dirty="0"/>
+          </a:p>
+        </p:txBody>
+      </p:sp>
+      <p:sp>
+        <p:nvSpPr>
+          <p:cNvPr id="5" name="Footer Placeholder 4"/>
           <p:cNvSpPr>
             <a:spLocks noGrp="1"/>
           </p:cNvSpPr>
@@ -429,13 +565,13 @@
           <a:bodyPr/>
           <a:lstStyle/>
           <a:p>
-            <a:endParaRPr lang="fr-FR"/>
-          </a:p>
-        </p:txBody>
-      </p:sp>
-      <p:sp>
-        <p:nvSpPr>
-          <p:cNvPr id="6" name="Espace réservé du numéro de diapositive 5"/>
+            <a:endParaRPr lang="en-US" dirty="0"/>
+          </a:p>
+        </p:txBody>
+      </p:sp>
+      <p:sp>
+        <p:nvSpPr>
+          <p:cNvPr id="6" name="Slide Number Placeholder 5"/>
           <p:cNvSpPr>
             <a:spLocks noGrp="1"/>
           </p:cNvSpPr>
@@ -448,20 +584,15 @@
           <a:bodyPr/>
           <a:lstStyle/>
           <a:p>
-            <a:fld id="{69822CFD-D397-452F-8B34-5E1C1211DD10}" type="slidenum">
-              <a:rPr lang="fr-FR" smtClean="0"/>
+            <a:fld id="{4FAB73BC-B049-4115-A692-8D63A059BFB8}" type="slidenum">
+              <a:rPr lang="en-US" dirty="0"/>
               <a:t>‹N°›</a:t>
             </a:fld>
-            <a:endParaRPr lang="fr-FR"/>
+            <a:endParaRPr lang="en-US" dirty="0"/>
           </a:p>
         </p:txBody>
       </p:sp>
     </p:spTree>
-    <p:extLst>
-      <p:ext uri="{BB962C8B-B14F-4D97-AF65-F5344CB8AC3E}">
-        <p14:creationId xmlns:p14="http://schemas.microsoft.com/office/powerpoint/2010/main" val="3298118395"/>
-      </p:ext>
-    </p:extLst>
   </p:cSld>
   <p:clrMapOvr>
     <a:masterClrMapping/>
@@ -470,7 +601,7 @@
 </file>
 
 <file path=ppt/slideLayouts/slideLayout11.xml><?xml version="1.0" encoding="utf-8"?>
-<p:sldLayout xmlns:a="http://schemas.openxmlformats.org/drawingml/2006/main" xmlns:r="http://schemas.openxmlformats.org/officeDocument/2006/relationships" xmlns:p="http://schemas.openxmlformats.org/presentationml/2006/main" type="vertTitleAndTx" preserve="1">
+<p:sldLayout xmlns:a="http://schemas.openxmlformats.org/drawingml/2006/main" xmlns:r="http://schemas.openxmlformats.org/officeDocument/2006/relationships" xmlns:p="http://schemas.openxmlformats.org/presentationml/2006/main" showMasterSp="0" type="vertTitleAndTx" preserve="1">
   <p:cSld name="Titre vertical et texte">
     <p:spTree>
       <p:nvGrpSpPr>
@@ -488,18 +619,94 @@
       </p:grpSpPr>
       <p:sp>
         <p:nvSpPr>
-          <p:cNvPr id="2" name="Titre vertical 1"/>
-          <p:cNvSpPr>
-            <a:spLocks noGrp="1"/>
-          </p:cNvSpPr>
-          <p:nvPr>
-            <p:ph type="title" orient="vert"/>
-          </p:nvPr>
+          <p:cNvPr id="7" name="Rectangle 6"/>
+          <p:cNvSpPr/>
+          <p:nvPr/>
         </p:nvSpPr>
         <p:spPr>
           <a:xfrm>
-            <a:off x="8724900" y="365125"/>
-            <a:ext cx="2628900" cy="5811838"/>
+            <a:off x="3175" y="6400800"/>
+            <a:ext cx="12188825" cy="457200"/>
+          </a:xfrm>
+          <a:prstGeom prst="rect">
+            <a:avLst/>
+          </a:prstGeom>
+          <a:solidFill>
+            <a:schemeClr val="accent2"/>
+          </a:solidFill>
+          <a:ln>
+            <a:noFill/>
+          </a:ln>
+        </p:spPr>
+        <p:style>
+          <a:lnRef idx="2">
+            <a:schemeClr val="accent1">
+              <a:shade val="50000"/>
+            </a:schemeClr>
+          </a:lnRef>
+          <a:fillRef idx="1">
+            <a:schemeClr val="accent1"/>
+          </a:fillRef>
+          <a:effectRef idx="0">
+            <a:schemeClr val="accent1"/>
+          </a:effectRef>
+          <a:fontRef idx="minor">
+            <a:schemeClr val="lt1"/>
+          </a:fontRef>
+        </p:style>
+      </p:sp>
+      <p:sp>
+        <p:nvSpPr>
+          <p:cNvPr id="8" name="Rectangle 7"/>
+          <p:cNvSpPr/>
+          <p:nvPr/>
+        </p:nvSpPr>
+        <p:spPr>
+          <a:xfrm>
+            <a:off x="15" y="6334316"/>
+            <a:ext cx="12188825" cy="64008"/>
+          </a:xfrm>
+          <a:prstGeom prst="rect">
+            <a:avLst/>
+          </a:prstGeom>
+          <a:solidFill>
+            <a:schemeClr val="accent1"/>
+          </a:solidFill>
+          <a:ln>
+            <a:noFill/>
+          </a:ln>
+        </p:spPr>
+        <p:style>
+          <a:lnRef idx="2">
+            <a:schemeClr val="accent1">
+              <a:shade val="50000"/>
+            </a:schemeClr>
+          </a:lnRef>
+          <a:fillRef idx="1">
+            <a:schemeClr val="accent1"/>
+          </a:fillRef>
+          <a:effectRef idx="0">
+            <a:schemeClr val="accent1"/>
+          </a:effectRef>
+          <a:fontRef idx="minor">
+            <a:schemeClr val="lt1"/>
+          </a:fontRef>
+        </p:style>
+      </p:sp>
+      <p:sp>
+        <p:nvSpPr>
+          <p:cNvPr id="2" name="Vertical Title 1"/>
+          <p:cNvSpPr>
+            <a:spLocks noGrp="1"/>
+          </p:cNvSpPr>
+          <p:nvPr>
+            <p:ph type="title" orient="vert"/>
+          </p:nvPr>
+        </p:nvSpPr>
+        <p:spPr>
+          <a:xfrm>
+            <a:off x="8724900" y="414778"/>
+            <a:ext cx="2628900" cy="5757421"/>
           </a:xfrm>
         </p:spPr>
         <p:txBody>
@@ -510,13 +717,13 @@
               <a:rPr lang="fr-FR"/>
               <a:t>Modifiez le style du titre</a:t>
             </a:r>
-            <a:endParaRPr lang="fr-FR"/>
-          </a:p>
-        </p:txBody>
-      </p:sp>
-      <p:sp>
-        <p:nvSpPr>
-          <p:cNvPr id="3" name="Espace réservé du texte vertical 2"/>
+            <a:endParaRPr lang="en-US" dirty="0"/>
+          </a:p>
+        </p:txBody>
+      </p:sp>
+      <p:sp>
+        <p:nvSpPr>
+          <p:cNvPr id="3" name="Vertical Text Placeholder 2"/>
           <p:cNvSpPr>
             <a:spLocks noGrp="1"/>
           </p:cNvSpPr>
@@ -526,12 +733,12 @@
         </p:nvSpPr>
         <p:spPr>
           <a:xfrm>
-            <a:off x="838200" y="365125"/>
-            <a:ext cx="7734300" cy="5811838"/>
+            <a:off x="838200" y="414778"/>
+            <a:ext cx="7734300" cy="5757422"/>
           </a:xfrm>
         </p:spPr>
         <p:txBody>
-          <a:bodyPr vert="eaVert"/>
+          <a:bodyPr vert="eaVert" lIns="45720" tIns="0" rIns="45720" bIns="0"/>
           <a:lstStyle/>
           <a:p>
             <a:pPr lvl="0"/>
@@ -567,13 +774,13 @@
               <a:rPr lang="fr-FR"/>
               <a:t>Cinquième niveau</a:t>
             </a:r>
-            <a:endParaRPr lang="fr-FR"/>
-          </a:p>
-        </p:txBody>
-      </p:sp>
-      <p:sp>
-        <p:nvSpPr>
-          <p:cNvPr id="4" name="Espace réservé de la date 3"/>
+            <a:endParaRPr lang="en-US" dirty="0"/>
+          </a:p>
+        </p:txBody>
+      </p:sp>
+      <p:sp>
+        <p:nvSpPr>
+          <p:cNvPr id="4" name="Date Placeholder 3"/>
           <p:cNvSpPr>
             <a:spLocks noGrp="1"/>
           </p:cNvSpPr>
@@ -586,17 +793,17 @@
           <a:bodyPr/>
           <a:lstStyle/>
           <a:p>
-            <a:fld id="{2305A949-A63F-4F53-AFC3-083234D358A0}" type="datetimeFigureOut">
-              <a:rPr lang="fr-FR" smtClean="0"/>
-              <a:t>09/12/2016</a:t>
+            <a:fld id="{E26F7E3A-B166-407D-9866-32884E7D5B37}" type="datetimeFigureOut">
+              <a:rPr lang="en-US" dirty="0"/>
+              <a:t>12/9/2016</a:t>
             </a:fld>
-            <a:endParaRPr lang="fr-FR"/>
-          </a:p>
-        </p:txBody>
-      </p:sp>
-      <p:sp>
-        <p:nvSpPr>
-          <p:cNvPr id="5" name="Espace réservé du pied de page 4"/>
+            <a:endParaRPr lang="en-US" dirty="0"/>
+          </a:p>
+        </p:txBody>
+      </p:sp>
+      <p:sp>
+        <p:nvSpPr>
+          <p:cNvPr id="5" name="Footer Placeholder 4"/>
           <p:cNvSpPr>
             <a:spLocks noGrp="1"/>
           </p:cNvSpPr>
@@ -609,13 +816,13 @@
           <a:bodyPr/>
           <a:lstStyle/>
           <a:p>
-            <a:endParaRPr lang="fr-FR"/>
-          </a:p>
-        </p:txBody>
-      </p:sp>
-      <p:sp>
-        <p:nvSpPr>
-          <p:cNvPr id="6" name="Espace réservé du numéro de diapositive 5"/>
+            <a:endParaRPr lang="en-US" dirty="0"/>
+          </a:p>
+        </p:txBody>
+      </p:sp>
+      <p:sp>
+        <p:nvSpPr>
+          <p:cNvPr id="6" name="Slide Number Placeholder 5"/>
           <p:cNvSpPr>
             <a:spLocks noGrp="1"/>
           </p:cNvSpPr>
@@ -628,20 +835,15 @@
           <a:bodyPr/>
           <a:lstStyle/>
           <a:p>
-            <a:fld id="{69822CFD-D397-452F-8B34-5E1C1211DD10}" type="slidenum">
-              <a:rPr lang="fr-FR" smtClean="0"/>
+            <a:fld id="{4FAB73BC-B049-4115-A692-8D63A059BFB8}" type="slidenum">
+              <a:rPr lang="en-US" dirty="0"/>
               <a:t>‹N°›</a:t>
             </a:fld>
-            <a:endParaRPr lang="fr-FR"/>
+            <a:endParaRPr lang="en-US" dirty="0"/>
           </a:p>
         </p:txBody>
       </p:sp>
     </p:spTree>
-    <p:extLst>
-      <p:ext uri="{BB962C8B-B14F-4D97-AF65-F5344CB8AC3E}">
-        <p14:creationId xmlns:p14="http://schemas.microsoft.com/office/powerpoint/2010/main" val="2412344045"/>
-      </p:ext>
-    </p:extLst>
   </p:cSld>
   <p:clrMapOvr>
     <a:masterClrMapping/>
@@ -668,7 +870,7 @@
       </p:grpSpPr>
       <p:sp>
         <p:nvSpPr>
-          <p:cNvPr id="2" name="Titre 1"/>
+          <p:cNvPr id="2" name="Title 1"/>
           <p:cNvSpPr>
             <a:spLocks noGrp="1"/>
           </p:cNvSpPr>
@@ -679,19 +881,23 @@
         <p:spPr/>
         <p:txBody>
           <a:bodyPr/>
-          <a:lstStyle/>
+          <a:lstStyle>
+            <a:lvl1pPr marL="0">
+              <a:defRPr/>
+            </a:lvl1pPr>
+          </a:lstStyle>
           <a:p>
             <a:r>
               <a:rPr lang="fr-FR"/>
               <a:t>Modifiez le style du titre</a:t>
             </a:r>
-            <a:endParaRPr lang="fr-FR"/>
-          </a:p>
-        </p:txBody>
-      </p:sp>
-      <p:sp>
-        <p:nvSpPr>
-          <p:cNvPr id="3" name="Espace réservé du contenu 2"/>
+            <a:endParaRPr lang="en-US" dirty="0"/>
+          </a:p>
+        </p:txBody>
+      </p:sp>
+      <p:sp>
+        <p:nvSpPr>
+          <p:cNvPr id="3" name="Content Placeholder 2"/>
           <p:cNvSpPr>
             <a:spLocks noGrp="1"/>
           </p:cNvSpPr>
@@ -737,13 +943,13 @@
               <a:rPr lang="fr-FR"/>
               <a:t>Cinquième niveau</a:t>
             </a:r>
-            <a:endParaRPr lang="fr-FR"/>
-          </a:p>
-        </p:txBody>
-      </p:sp>
-      <p:sp>
-        <p:nvSpPr>
-          <p:cNvPr id="4" name="Espace réservé de la date 3"/>
+            <a:endParaRPr lang="en-US" dirty="0"/>
+          </a:p>
+        </p:txBody>
+      </p:sp>
+      <p:sp>
+        <p:nvSpPr>
+          <p:cNvPr id="4" name="Date Placeholder 3"/>
           <p:cNvSpPr>
             <a:spLocks noGrp="1"/>
           </p:cNvSpPr>
@@ -756,17 +962,17 @@
           <a:bodyPr/>
           <a:lstStyle/>
           <a:p>
-            <a:fld id="{2305A949-A63F-4F53-AFC3-083234D358A0}" type="datetimeFigureOut">
-              <a:rPr lang="fr-FR" smtClean="0"/>
-              <a:t>09/12/2016</a:t>
+            <a:fld id="{528FC5F6-F338-4AE4-BB23-26385BCFC423}" type="datetimeFigureOut">
+              <a:rPr lang="en-US" dirty="0"/>
+              <a:t>12/9/2016</a:t>
             </a:fld>
-            <a:endParaRPr lang="fr-FR"/>
-          </a:p>
-        </p:txBody>
-      </p:sp>
-      <p:sp>
-        <p:nvSpPr>
-          <p:cNvPr id="5" name="Espace réservé du pied de page 4"/>
+            <a:endParaRPr lang="en-US" dirty="0"/>
+          </a:p>
+        </p:txBody>
+      </p:sp>
+      <p:sp>
+        <p:nvSpPr>
+          <p:cNvPr id="5" name="Footer Placeholder 4"/>
           <p:cNvSpPr>
             <a:spLocks noGrp="1"/>
           </p:cNvSpPr>
@@ -779,13 +985,13 @@
           <a:bodyPr/>
           <a:lstStyle/>
           <a:p>
-            <a:endParaRPr lang="fr-FR"/>
-          </a:p>
-        </p:txBody>
-      </p:sp>
-      <p:sp>
-        <p:nvSpPr>
-          <p:cNvPr id="6" name="Espace réservé du numéro de diapositive 5"/>
+            <a:endParaRPr lang="en-US" dirty="0"/>
+          </a:p>
+        </p:txBody>
+      </p:sp>
+      <p:sp>
+        <p:nvSpPr>
+          <p:cNvPr id="6" name="Slide Number Placeholder 5"/>
           <p:cNvSpPr>
             <a:spLocks noGrp="1"/>
           </p:cNvSpPr>
@@ -798,20 +1004,15 @@
           <a:bodyPr/>
           <a:lstStyle/>
           <a:p>
-            <a:fld id="{69822CFD-D397-452F-8B34-5E1C1211DD10}" type="slidenum">
-              <a:rPr lang="fr-FR" smtClean="0"/>
+            <a:fld id="{6113E31D-E2AB-40D1-8B51-AFA5AFEF393A}" type="slidenum">
+              <a:rPr lang="en-US" dirty="0"/>
               <a:t>‹N°›</a:t>
             </a:fld>
-            <a:endParaRPr lang="fr-FR"/>
+            <a:endParaRPr lang="en-US" dirty="0"/>
           </a:p>
         </p:txBody>
       </p:sp>
     </p:spTree>
-    <p:extLst>
-      <p:ext uri="{BB962C8B-B14F-4D97-AF65-F5344CB8AC3E}">
-        <p14:creationId xmlns:p14="http://schemas.microsoft.com/office/powerpoint/2010/main" val="3884370780"/>
-      </p:ext>
-    </p:extLst>
   </p:cSld>
   <p:clrMapOvr>
     <a:masterClrMapping/>
@@ -820,8 +1021,16 @@
 </file>
 
 <file path=ppt/slideLayouts/slideLayout3.xml><?xml version="1.0" encoding="utf-8"?>
-<p:sldLayout xmlns:a="http://schemas.openxmlformats.org/drawingml/2006/main" xmlns:r="http://schemas.openxmlformats.org/officeDocument/2006/relationships" xmlns:p="http://schemas.openxmlformats.org/presentationml/2006/main" type="secHead" preserve="1">
+<p:sldLayout xmlns:a="http://schemas.openxmlformats.org/drawingml/2006/main" xmlns:r="http://schemas.openxmlformats.org/officeDocument/2006/relationships" xmlns:p="http://schemas.openxmlformats.org/presentationml/2006/main" showMasterSp="0" type="secHead" preserve="1">
   <p:cSld name="Titre de section">
+    <p:bg>
+      <p:bgPr>
+        <a:solidFill>
+          <a:schemeClr val="bg1"/>
+        </a:solidFill>
+        <a:effectLst/>
+      </p:bgPr>
+    </p:bg>
     <p:spTree>
       <p:nvGrpSpPr>
         <p:cNvPr id="1" name=""/>
@@ -838,68 +1047,157 @@
       </p:grpSpPr>
       <p:sp>
         <p:nvSpPr>
-          <p:cNvPr id="2" name="Titre 1"/>
-          <p:cNvSpPr>
-            <a:spLocks noGrp="1"/>
-          </p:cNvSpPr>
-          <p:nvPr>
-            <p:ph type="title"/>
-          </p:nvPr>
+          <p:cNvPr id="7" name="Rectangle 6"/>
+          <p:cNvSpPr/>
+          <p:nvPr/>
         </p:nvSpPr>
         <p:spPr>
           <a:xfrm>
-            <a:off x="831850" y="1709738"/>
-            <a:ext cx="10515600" cy="2852737"/>
+            <a:off x="3175" y="6400800"/>
+            <a:ext cx="12188825" cy="457200"/>
+          </a:xfrm>
+          <a:prstGeom prst="rect">
+            <a:avLst/>
+          </a:prstGeom>
+          <a:solidFill>
+            <a:schemeClr val="accent2"/>
+          </a:solidFill>
+          <a:ln>
+            <a:noFill/>
+          </a:ln>
+        </p:spPr>
+        <p:style>
+          <a:lnRef idx="2">
+            <a:schemeClr val="accent1">
+              <a:shade val="50000"/>
+            </a:schemeClr>
+          </a:lnRef>
+          <a:fillRef idx="1">
+            <a:schemeClr val="accent1"/>
+          </a:fillRef>
+          <a:effectRef idx="0">
+            <a:schemeClr val="accent1"/>
+          </a:effectRef>
+          <a:fontRef idx="minor">
+            <a:schemeClr val="lt1"/>
+          </a:fontRef>
+        </p:style>
+      </p:sp>
+      <p:sp>
+        <p:nvSpPr>
+          <p:cNvPr id="8" name="Rectangle 7"/>
+          <p:cNvSpPr/>
+          <p:nvPr/>
+        </p:nvSpPr>
+        <p:spPr>
+          <a:xfrm>
+            <a:off x="15" y="6334316"/>
+            <a:ext cx="12188825" cy="64008"/>
+          </a:xfrm>
+          <a:prstGeom prst="rect">
+            <a:avLst/>
+          </a:prstGeom>
+          <a:solidFill>
+            <a:schemeClr val="accent1"/>
+          </a:solidFill>
+          <a:ln>
+            <a:noFill/>
+          </a:ln>
+        </p:spPr>
+        <p:style>
+          <a:lnRef idx="2">
+            <a:schemeClr val="accent1">
+              <a:shade val="50000"/>
+            </a:schemeClr>
+          </a:lnRef>
+          <a:fillRef idx="1">
+            <a:schemeClr val="accent1"/>
+          </a:fillRef>
+          <a:effectRef idx="0">
+            <a:schemeClr val="accent1"/>
+          </a:effectRef>
+          <a:fontRef idx="minor">
+            <a:schemeClr val="lt1"/>
+          </a:fontRef>
+        </p:style>
+      </p:sp>
+      <p:sp>
+        <p:nvSpPr>
+          <p:cNvPr id="2" name="Title 1"/>
+          <p:cNvSpPr>
+            <a:spLocks noGrp="1"/>
+          </p:cNvSpPr>
+          <p:nvPr>
+            <p:ph type="title"/>
+          </p:nvPr>
+        </p:nvSpPr>
+        <p:spPr>
+          <a:xfrm>
+            <a:off x="1097280" y="758952"/>
+            <a:ext cx="10058400" cy="3566160"/>
           </a:xfrm>
         </p:spPr>
         <p:txBody>
-          <a:bodyPr anchor="b"/>
+          <a:bodyPr anchor="b" anchorCtr="0">
+            <a:normAutofit/>
+          </a:bodyPr>
           <a:lstStyle>
             <a:lvl1pPr>
-              <a:defRPr sz="6000"/>
-            </a:lvl1pPr>
-          </a:lstStyle>
-          <a:p>
-            <a:r>
-              <a:rPr lang="fr-FR"/>
-              <a:t>Modifiez le style du titre</a:t>
-            </a:r>
-            <a:endParaRPr lang="fr-FR"/>
-          </a:p>
-        </p:txBody>
-      </p:sp>
-      <p:sp>
-        <p:nvSpPr>
-          <p:cNvPr id="3" name="Espace réservé du texte 2"/>
-          <p:cNvSpPr>
-            <a:spLocks noGrp="1"/>
-          </p:cNvSpPr>
-          <p:nvPr>
-            <p:ph type="body" idx="1"/>
-          </p:nvPr>
-        </p:nvSpPr>
-        <p:spPr>
-          <a:xfrm>
-            <a:off x="831850" y="4589463"/>
-            <a:ext cx="10515600" cy="1500187"/>
-          </a:xfrm>
-        </p:spPr>
-        <p:txBody>
-          <a:bodyPr/>
-          <a:lstStyle>
-            <a:lvl1pPr marL="0" indent="0">
-              <a:buNone/>
-              <a:defRPr sz="2400">
+              <a:lnSpc>
+                <a:spcPct val="85000"/>
+              </a:lnSpc>
+              <a:defRPr sz="8000" b="0">
                 <a:solidFill>
                   <a:schemeClr val="tx1">
-                    <a:tint val="75000"/>
+                    <a:lumMod val="85000"/>
+                    <a:lumOff val="15000"/>
                   </a:schemeClr>
                 </a:solidFill>
               </a:defRPr>
             </a:lvl1pPr>
+          </a:lstStyle>
+          <a:p>
+            <a:r>
+              <a:rPr lang="fr-FR"/>
+              <a:t>Modifiez le style du titre</a:t>
+            </a:r>
+            <a:endParaRPr lang="en-US" dirty="0"/>
+          </a:p>
+        </p:txBody>
+      </p:sp>
+      <p:sp>
+        <p:nvSpPr>
+          <p:cNvPr id="3" name="Text Placeholder 2"/>
+          <p:cNvSpPr>
+            <a:spLocks noGrp="1"/>
+          </p:cNvSpPr>
+          <p:nvPr>
+            <p:ph type="body" idx="1"/>
+          </p:nvPr>
+        </p:nvSpPr>
+        <p:spPr>
+          <a:xfrm>
+            <a:off x="1097280" y="4453128"/>
+            <a:ext cx="10058400" cy="1143000"/>
+          </a:xfrm>
+        </p:spPr>
+        <p:txBody>
+          <a:bodyPr lIns="91440" rIns="91440" anchor="t" anchorCtr="0">
+            <a:normAutofit/>
+          </a:bodyPr>
+          <a:lstStyle>
+            <a:lvl1pPr marL="0" indent="0">
+              <a:buNone/>
+              <a:defRPr sz="2400" cap="all" spc="200" baseline="0">
+                <a:solidFill>
+                  <a:schemeClr val="tx2"/>
+                </a:solidFill>
+                <a:latin typeface="+mj-lt"/>
+              </a:defRPr>
+            </a:lvl1pPr>
             <a:lvl2pPr marL="457200" indent="0">
               <a:buNone/>
-              <a:defRPr sz="2000">
+              <a:defRPr sz="1800">
                 <a:solidFill>
                   <a:schemeClr val="tx1">
                     <a:tint val="75000"/>
@@ -909,7 +1207,7 @@
             </a:lvl2pPr>
             <a:lvl3pPr marL="914400" indent="0">
               <a:buNone/>
-              <a:defRPr sz="1800">
+              <a:defRPr sz="1600">
                 <a:solidFill>
                   <a:schemeClr val="tx1">
                     <a:tint val="75000"/>
@@ -919,7 +1217,7 @@
             </a:lvl3pPr>
             <a:lvl4pPr marL="1371600" indent="0">
               <a:buNone/>
-              <a:defRPr sz="1600">
+              <a:defRPr sz="1400">
                 <a:solidFill>
                   <a:schemeClr val="tx1">
                     <a:tint val="75000"/>
@@ -929,7 +1227,7 @@
             </a:lvl4pPr>
             <a:lvl5pPr marL="1828800" indent="0">
               <a:buNone/>
-              <a:defRPr sz="1600">
+              <a:defRPr sz="1400">
                 <a:solidFill>
                   <a:schemeClr val="tx1">
                     <a:tint val="75000"/>
@@ -939,7 +1237,7 @@
             </a:lvl5pPr>
             <a:lvl6pPr marL="2286000" indent="0">
               <a:buNone/>
-              <a:defRPr sz="1600">
+              <a:defRPr sz="1400">
                 <a:solidFill>
                   <a:schemeClr val="tx1">
                     <a:tint val="75000"/>
@@ -949,7 +1247,7 @@
             </a:lvl6pPr>
             <a:lvl7pPr marL="2743200" indent="0">
               <a:buNone/>
-              <a:defRPr sz="1600">
+              <a:defRPr sz="1400">
                 <a:solidFill>
                   <a:schemeClr val="tx1">
                     <a:tint val="75000"/>
@@ -959,7 +1257,7 @@
             </a:lvl7pPr>
             <a:lvl8pPr marL="3200400" indent="0">
               <a:buNone/>
-              <a:defRPr sz="1600">
+              <a:defRPr sz="1400">
                 <a:solidFill>
                   <a:schemeClr val="tx1">
                     <a:tint val="75000"/>
@@ -969,7 +1267,7 @@
             </a:lvl8pPr>
             <a:lvl9pPr marL="3657600" indent="0">
               <a:buNone/>
-              <a:defRPr sz="1600">
+              <a:defRPr sz="1400">
                 <a:solidFill>
                   <a:schemeClr val="tx1">
                     <a:tint val="75000"/>
@@ -989,7 +1287,7 @@
       </p:sp>
       <p:sp>
         <p:nvSpPr>
-          <p:cNvPr id="4" name="Espace réservé de la date 3"/>
+          <p:cNvPr id="4" name="Date Placeholder 3"/>
           <p:cNvSpPr>
             <a:spLocks noGrp="1"/>
           </p:cNvSpPr>
@@ -1002,17 +1300,17 @@
           <a:bodyPr/>
           <a:lstStyle/>
           <a:p>
-            <a:fld id="{2305A949-A63F-4F53-AFC3-083234D358A0}" type="datetimeFigureOut">
-              <a:rPr lang="fr-FR" smtClean="0"/>
-              <a:t>09/12/2016</a:t>
+            <a:fld id="{20EBB0C4-6273-4C6E-B9BD-2EDC30F1CD52}" type="datetimeFigureOut">
+              <a:rPr lang="en-US" dirty="0"/>
+              <a:t>12/9/2016</a:t>
             </a:fld>
-            <a:endParaRPr lang="fr-FR"/>
-          </a:p>
-        </p:txBody>
-      </p:sp>
-      <p:sp>
-        <p:nvSpPr>
-          <p:cNvPr id="5" name="Espace réservé du pied de page 4"/>
+            <a:endParaRPr lang="en-US" dirty="0"/>
+          </a:p>
+        </p:txBody>
+      </p:sp>
+      <p:sp>
+        <p:nvSpPr>
+          <p:cNvPr id="5" name="Footer Placeholder 4"/>
           <p:cNvSpPr>
             <a:spLocks noGrp="1"/>
           </p:cNvSpPr>
@@ -1025,13 +1323,13 @@
           <a:bodyPr/>
           <a:lstStyle/>
           <a:p>
-            <a:endParaRPr lang="fr-FR"/>
-          </a:p>
-        </p:txBody>
-      </p:sp>
-      <p:sp>
-        <p:nvSpPr>
-          <p:cNvPr id="6" name="Espace réservé du numéro de diapositive 5"/>
+            <a:endParaRPr lang="en-US" dirty="0"/>
+          </a:p>
+        </p:txBody>
+      </p:sp>
+      <p:sp>
+        <p:nvSpPr>
+          <p:cNvPr id="6" name="Slide Number Placeholder 5"/>
           <p:cNvSpPr>
             <a:spLocks noGrp="1"/>
           </p:cNvSpPr>
@@ -1044,20 +1342,53 @@
           <a:bodyPr/>
           <a:lstStyle/>
           <a:p>
-            <a:fld id="{69822CFD-D397-452F-8B34-5E1C1211DD10}" type="slidenum">
-              <a:rPr lang="fr-FR" smtClean="0"/>
+            <a:fld id="{4FAB73BC-B049-4115-A692-8D63A059BFB8}" type="slidenum">
+              <a:rPr lang="en-US" dirty="0"/>
               <a:t>‹N°›</a:t>
             </a:fld>
-            <a:endParaRPr lang="fr-FR"/>
-          </a:p>
-        </p:txBody>
-      </p:sp>
+            <a:endParaRPr lang="en-US" dirty="0"/>
+          </a:p>
+        </p:txBody>
+      </p:sp>
+      <p:cxnSp>
+        <p:nvCxnSpPr>
+          <p:cNvPr id="9" name="Straight Connector 8"/>
+          <p:cNvCxnSpPr/>
+          <p:nvPr/>
+        </p:nvCxnSpPr>
+        <p:spPr>
+          <a:xfrm>
+            <a:off x="1207658" y="4343400"/>
+            <a:ext cx="9875520" cy="0"/>
+          </a:xfrm>
+          <a:prstGeom prst="line">
+            <a:avLst/>
+          </a:prstGeom>
+          <a:ln w="6350">
+            <a:solidFill>
+              <a:schemeClr val="tx1">
+                <a:lumMod val="50000"/>
+                <a:lumOff val="50000"/>
+              </a:schemeClr>
+            </a:solidFill>
+          </a:ln>
+        </p:spPr>
+        <p:style>
+          <a:lnRef idx="1">
+            <a:schemeClr val="accent1"/>
+          </a:lnRef>
+          <a:fillRef idx="0">
+            <a:schemeClr val="accent1"/>
+          </a:fillRef>
+          <a:effectRef idx="0">
+            <a:schemeClr val="accent1"/>
+          </a:effectRef>
+          <a:fontRef idx="minor">
+            <a:schemeClr val="tx1"/>
+          </a:fontRef>
+        </p:style>
+      </p:cxnSp>
     </p:spTree>
-    <p:extLst>
-      <p:ext uri="{BB962C8B-B14F-4D97-AF65-F5344CB8AC3E}">
-        <p14:creationId xmlns:p14="http://schemas.microsoft.com/office/powerpoint/2010/main" val="344204071"/>
-      </p:ext>
-    </p:extLst>
   </p:cSld>
   <p:clrMapOvr>
     <a:masterClrMapping/>
@@ -1084,98 +1415,46 @@
       </p:grpSpPr>
       <p:sp>
         <p:nvSpPr>
-          <p:cNvPr id="2" name="Titre 1"/>
+          <p:cNvPr id="8" name="Title 7"/>
           <p:cNvSpPr>
             <a:spLocks noGrp="1"/>
           </p:cNvSpPr>
           <p:nvPr>
             <p:ph type="title"/>
-          </p:nvPr>
-        </p:nvSpPr>
-        <p:spPr/>
-        <p:txBody>
-          <a:bodyPr/>
-          <a:lstStyle/>
-          <a:p>
-            <a:r>
-              <a:rPr lang="fr-FR"/>
-              <a:t>Modifiez le style du titre</a:t>
-            </a:r>
-            <a:endParaRPr lang="fr-FR"/>
-          </a:p>
-        </p:txBody>
-      </p:sp>
-      <p:sp>
-        <p:nvSpPr>
-          <p:cNvPr id="3" name="Espace réservé du contenu 2"/>
-          <p:cNvSpPr>
-            <a:spLocks noGrp="1"/>
-          </p:cNvSpPr>
-          <p:nvPr>
-            <p:ph sz="half" idx="1"/>
           </p:nvPr>
         </p:nvSpPr>
         <p:spPr>
           <a:xfrm>
-            <a:off x="838200" y="1825625"/>
-            <a:ext cx="5181600" cy="4351338"/>
+            <a:off x="1097280" y="286603"/>
+            <a:ext cx="10058400" cy="1450757"/>
           </a:xfrm>
         </p:spPr>
         <p:txBody>
           <a:bodyPr/>
           <a:lstStyle/>
           <a:p>
-            <a:pPr lvl="0"/>
-            <a:r>
-              <a:rPr lang="fr-FR"/>
-              <a:t>Modifier les styles du texte du masque</a:t>
-            </a:r>
-          </a:p>
-          <a:p>
-            <a:pPr lvl="1"/>
-            <a:r>
-              <a:rPr lang="fr-FR"/>
-              <a:t>Deuxième niveau</a:t>
-            </a:r>
-          </a:p>
-          <a:p>
-            <a:pPr lvl="2"/>
-            <a:r>
-              <a:rPr lang="fr-FR"/>
-              <a:t>Troisième niveau</a:t>
-            </a:r>
-          </a:p>
-          <a:p>
-            <a:pPr lvl="3"/>
-            <a:r>
-              <a:rPr lang="fr-FR"/>
-              <a:t>Quatrième niveau</a:t>
-            </a:r>
-          </a:p>
-          <a:p>
-            <a:pPr lvl="4"/>
-            <a:r>
-              <a:rPr lang="fr-FR"/>
-              <a:t>Cinquième niveau</a:t>
-            </a:r>
-            <a:endParaRPr lang="fr-FR"/>
-          </a:p>
-        </p:txBody>
-      </p:sp>
-      <p:sp>
-        <p:nvSpPr>
-          <p:cNvPr id="4" name="Espace réservé du contenu 3"/>
-          <p:cNvSpPr>
-            <a:spLocks noGrp="1"/>
-          </p:cNvSpPr>
-          <p:nvPr>
-            <p:ph sz="half" idx="2"/>
+            <a:r>
+              <a:rPr lang="fr-FR"/>
+              <a:t>Modifiez le style du titre</a:t>
+            </a:r>
+            <a:endParaRPr lang="en-US" dirty="0"/>
+          </a:p>
+        </p:txBody>
+      </p:sp>
+      <p:sp>
+        <p:nvSpPr>
+          <p:cNvPr id="3" name="Content Placeholder 2"/>
+          <p:cNvSpPr>
+            <a:spLocks noGrp="1"/>
+          </p:cNvSpPr>
+          <p:nvPr>
+            <p:ph sz="half" idx="1"/>
           </p:nvPr>
         </p:nvSpPr>
         <p:spPr>
           <a:xfrm>
-            <a:off x="6172200" y="1825625"/>
-            <a:ext cx="5181600" cy="4351338"/>
+            <a:off x="1097279" y="1845734"/>
+            <a:ext cx="4937760" cy="4023360"/>
           </a:xfrm>
         </p:spPr>
         <p:txBody>
@@ -1215,13 +1494,70 @@
               <a:rPr lang="fr-FR"/>
               <a:t>Cinquième niveau</a:t>
             </a:r>
-            <a:endParaRPr lang="fr-FR"/>
-          </a:p>
-        </p:txBody>
-      </p:sp>
-      <p:sp>
-        <p:nvSpPr>
-          <p:cNvPr id="5" name="Espace réservé de la date 4"/>
+            <a:endParaRPr lang="en-US" dirty="0"/>
+          </a:p>
+        </p:txBody>
+      </p:sp>
+      <p:sp>
+        <p:nvSpPr>
+          <p:cNvPr id="4" name="Content Placeholder 3"/>
+          <p:cNvSpPr>
+            <a:spLocks noGrp="1"/>
+          </p:cNvSpPr>
+          <p:nvPr>
+            <p:ph sz="half" idx="2"/>
+          </p:nvPr>
+        </p:nvSpPr>
+        <p:spPr>
+          <a:xfrm>
+            <a:off x="6217920" y="1845735"/>
+            <a:ext cx="4937760" cy="4023360"/>
+          </a:xfrm>
+        </p:spPr>
+        <p:txBody>
+          <a:bodyPr/>
+          <a:lstStyle/>
+          <a:p>
+            <a:pPr lvl="0"/>
+            <a:r>
+              <a:rPr lang="fr-FR"/>
+              <a:t>Modifier les styles du texte du masque</a:t>
+            </a:r>
+          </a:p>
+          <a:p>
+            <a:pPr lvl="1"/>
+            <a:r>
+              <a:rPr lang="fr-FR"/>
+              <a:t>Deuxième niveau</a:t>
+            </a:r>
+          </a:p>
+          <a:p>
+            <a:pPr lvl="2"/>
+            <a:r>
+              <a:rPr lang="fr-FR"/>
+              <a:t>Troisième niveau</a:t>
+            </a:r>
+          </a:p>
+          <a:p>
+            <a:pPr lvl="3"/>
+            <a:r>
+              <a:rPr lang="fr-FR"/>
+              <a:t>Quatrième niveau</a:t>
+            </a:r>
+          </a:p>
+          <a:p>
+            <a:pPr lvl="4"/>
+            <a:r>
+              <a:rPr lang="fr-FR"/>
+              <a:t>Cinquième niveau</a:t>
+            </a:r>
+            <a:endParaRPr lang="en-US" dirty="0"/>
+          </a:p>
+        </p:txBody>
+      </p:sp>
+      <p:sp>
+        <p:nvSpPr>
+          <p:cNvPr id="5" name="Date Placeholder 4"/>
           <p:cNvSpPr>
             <a:spLocks noGrp="1"/>
           </p:cNvSpPr>
@@ -1234,17 +1570,17 @@
           <a:bodyPr/>
           <a:lstStyle/>
           <a:p>
-            <a:fld id="{2305A949-A63F-4F53-AFC3-083234D358A0}" type="datetimeFigureOut">
-              <a:rPr lang="fr-FR" smtClean="0"/>
-              <a:t>09/12/2016</a:t>
+            <a:fld id="{19AB4D41-86C1-4908-B66A-0B50CEB3BF29}" type="datetimeFigureOut">
+              <a:rPr lang="en-US" dirty="0"/>
+              <a:t>12/9/2016</a:t>
             </a:fld>
-            <a:endParaRPr lang="fr-FR"/>
-          </a:p>
-        </p:txBody>
-      </p:sp>
-      <p:sp>
-        <p:nvSpPr>
-          <p:cNvPr id="6" name="Espace réservé du pied de page 5"/>
+            <a:endParaRPr lang="en-US" dirty="0"/>
+          </a:p>
+        </p:txBody>
+      </p:sp>
+      <p:sp>
+        <p:nvSpPr>
+          <p:cNvPr id="6" name="Footer Placeholder 5"/>
           <p:cNvSpPr>
             <a:spLocks noGrp="1"/>
           </p:cNvSpPr>
@@ -1257,13 +1593,13 @@
           <a:bodyPr/>
           <a:lstStyle/>
           <a:p>
-            <a:endParaRPr lang="fr-FR"/>
-          </a:p>
-        </p:txBody>
-      </p:sp>
-      <p:sp>
-        <p:nvSpPr>
-          <p:cNvPr id="7" name="Espace réservé du numéro de diapositive 6"/>
+            <a:endParaRPr lang="en-US" dirty="0"/>
+          </a:p>
+        </p:txBody>
+      </p:sp>
+      <p:sp>
+        <p:nvSpPr>
+          <p:cNvPr id="7" name="Slide Number Placeholder 6"/>
           <p:cNvSpPr>
             <a:spLocks noGrp="1"/>
           </p:cNvSpPr>
@@ -1276,20 +1612,15 @@
           <a:bodyPr/>
           <a:lstStyle/>
           <a:p>
-            <a:fld id="{69822CFD-D397-452F-8B34-5E1C1211DD10}" type="slidenum">
-              <a:rPr lang="fr-FR" smtClean="0"/>
+            <a:fld id="{4FAB73BC-B049-4115-A692-8D63A059BFB8}" type="slidenum">
+              <a:rPr lang="en-US" dirty="0"/>
               <a:t>‹N°›</a:t>
             </a:fld>
-            <a:endParaRPr lang="fr-FR"/>
+            <a:endParaRPr lang="en-US" dirty="0"/>
           </a:p>
         </p:txBody>
       </p:sp>
     </p:spTree>
-    <p:extLst>
-      <p:ext uri="{BB962C8B-B14F-4D97-AF65-F5344CB8AC3E}">
-        <p14:creationId xmlns:p14="http://schemas.microsoft.com/office/powerpoint/2010/main" val="444310927"/>
-      </p:ext>
-    </p:extLst>
   </p:cSld>
   <p:clrMapOvr>
     <a:masterClrMapping/>
@@ -1316,7 +1647,7 @@
       </p:grpSpPr>
       <p:sp>
         <p:nvSpPr>
-          <p:cNvPr id="2" name="Titre 1"/>
+          <p:cNvPr id="10" name="Title 9"/>
           <p:cNvSpPr>
             <a:spLocks noGrp="1"/>
           </p:cNvSpPr>
@@ -1326,8 +1657,8 @@
         </p:nvSpPr>
         <p:spPr>
           <a:xfrm>
-            <a:off x="839788" y="365125"/>
-            <a:ext cx="10515600" cy="1325563"/>
+            <a:off x="1097280" y="286603"/>
+            <a:ext cx="10058400" cy="1450757"/>
           </a:xfrm>
         </p:spPr>
         <p:txBody>
@@ -1338,13 +1669,13 @@
               <a:rPr lang="fr-FR"/>
               <a:t>Modifiez le style du titre</a:t>
             </a:r>
-            <a:endParaRPr lang="fr-FR"/>
-          </a:p>
-        </p:txBody>
-      </p:sp>
-      <p:sp>
-        <p:nvSpPr>
-          <p:cNvPr id="3" name="Espace réservé du texte 2"/>
+            <a:endParaRPr lang="en-US" dirty="0"/>
+          </a:p>
+        </p:txBody>
+      </p:sp>
+      <p:sp>
+        <p:nvSpPr>
+          <p:cNvPr id="3" name="Text Placeholder 2"/>
           <p:cNvSpPr>
             <a:spLocks noGrp="1"/>
           </p:cNvSpPr>
@@ -1354,16 +1685,22 @@
         </p:nvSpPr>
         <p:spPr>
           <a:xfrm>
-            <a:off x="839788" y="1681163"/>
-            <a:ext cx="5157787" cy="823912"/>
+            <a:off x="1097280" y="1846052"/>
+            <a:ext cx="4937760" cy="736282"/>
           </a:xfrm>
         </p:spPr>
         <p:txBody>
-          <a:bodyPr anchor="b"/>
+          <a:bodyPr lIns="91440" rIns="91440" anchor="ctr">
+            <a:normAutofit/>
+          </a:bodyPr>
           <a:lstStyle>
             <a:lvl1pPr marL="0" indent="0">
               <a:buNone/>
-              <a:defRPr sz="2400" b="1"/>
+              <a:defRPr sz="2000" b="0" cap="all" baseline="0">
+                <a:solidFill>
+                  <a:schemeClr val="tx2"/>
+                </a:solidFill>
+              </a:defRPr>
             </a:lvl1pPr>
             <a:lvl2pPr marL="457200" indent="0">
               <a:buNone/>
@@ -1409,7 +1746,7 @@
       </p:sp>
       <p:sp>
         <p:nvSpPr>
-          <p:cNvPr id="4" name="Espace réservé du contenu 3"/>
+          <p:cNvPr id="4" name="Content Placeholder 3"/>
           <p:cNvSpPr>
             <a:spLocks noGrp="1"/>
           </p:cNvSpPr>
@@ -1419,8 +1756,8 @@
         </p:nvSpPr>
         <p:spPr>
           <a:xfrm>
-            <a:off x="839788" y="2505075"/>
-            <a:ext cx="5157787" cy="3684588"/>
+            <a:off x="1097280" y="2582334"/>
+            <a:ext cx="4937760" cy="3378200"/>
           </a:xfrm>
         </p:spPr>
         <p:txBody>
@@ -1460,13 +1797,13 @@
               <a:rPr lang="fr-FR"/>
               <a:t>Cinquième niveau</a:t>
             </a:r>
-            <a:endParaRPr lang="fr-FR"/>
-          </a:p>
-        </p:txBody>
-      </p:sp>
-      <p:sp>
-        <p:nvSpPr>
-          <p:cNvPr id="5" name="Espace réservé du texte 4"/>
+            <a:endParaRPr lang="en-US" dirty="0"/>
+          </a:p>
+        </p:txBody>
+      </p:sp>
+      <p:sp>
+        <p:nvSpPr>
+          <p:cNvPr id="5" name="Text Placeholder 4"/>
           <p:cNvSpPr>
             <a:spLocks noGrp="1"/>
           </p:cNvSpPr>
@@ -1476,16 +1813,22 @@
         </p:nvSpPr>
         <p:spPr>
           <a:xfrm>
-            <a:off x="6172200" y="1681163"/>
-            <a:ext cx="5183188" cy="823912"/>
+            <a:off x="6217920" y="1846052"/>
+            <a:ext cx="4937760" cy="736282"/>
           </a:xfrm>
         </p:spPr>
         <p:txBody>
-          <a:bodyPr anchor="b"/>
+          <a:bodyPr lIns="91440" rIns="91440" anchor="ctr">
+            <a:normAutofit/>
+          </a:bodyPr>
           <a:lstStyle>
             <a:lvl1pPr marL="0" indent="0">
               <a:buNone/>
-              <a:defRPr sz="2400" b="1"/>
+              <a:defRPr sz="2000" b="0" cap="all" baseline="0">
+                <a:solidFill>
+                  <a:schemeClr val="tx2"/>
+                </a:solidFill>
+              </a:defRPr>
             </a:lvl1pPr>
             <a:lvl2pPr marL="457200" indent="0">
               <a:buNone/>
@@ -1531,7 +1874,7 @@
       </p:sp>
       <p:sp>
         <p:nvSpPr>
-          <p:cNvPr id="6" name="Espace réservé du contenu 5"/>
+          <p:cNvPr id="6" name="Content Placeholder 5"/>
           <p:cNvSpPr>
             <a:spLocks noGrp="1"/>
           </p:cNvSpPr>
@@ -1541,8 +1884,8 @@
         </p:nvSpPr>
         <p:spPr>
           <a:xfrm>
-            <a:off x="6172200" y="2505075"/>
-            <a:ext cx="5183188" cy="3684588"/>
+            <a:off x="6217920" y="2582334"/>
+            <a:ext cx="4937760" cy="3378200"/>
           </a:xfrm>
         </p:spPr>
         <p:txBody>
@@ -1582,13 +1925,13 @@
               <a:rPr lang="fr-FR"/>
               <a:t>Cinquième niveau</a:t>
             </a:r>
-            <a:endParaRPr lang="fr-FR"/>
-          </a:p>
-        </p:txBody>
-      </p:sp>
-      <p:sp>
-        <p:nvSpPr>
-          <p:cNvPr id="7" name="Espace réservé de la date 6"/>
+            <a:endParaRPr lang="en-US" dirty="0"/>
+          </a:p>
+        </p:txBody>
+      </p:sp>
+      <p:sp>
+        <p:nvSpPr>
+          <p:cNvPr id="7" name="Date Placeholder 6"/>
           <p:cNvSpPr>
             <a:spLocks noGrp="1"/>
           </p:cNvSpPr>
@@ -1601,17 +1944,17 @@
           <a:bodyPr/>
           <a:lstStyle/>
           <a:p>
-            <a:fld id="{2305A949-A63F-4F53-AFC3-083234D358A0}" type="datetimeFigureOut">
-              <a:rPr lang="fr-FR" smtClean="0"/>
-              <a:t>09/12/2016</a:t>
+            <a:fld id="{E6426E2C-56C1-4E0D-A793-0088A7FDD37E}" type="datetimeFigureOut">
+              <a:rPr lang="en-US" dirty="0"/>
+              <a:t>12/9/2016</a:t>
             </a:fld>
-            <a:endParaRPr lang="fr-FR"/>
-          </a:p>
-        </p:txBody>
-      </p:sp>
-      <p:sp>
-        <p:nvSpPr>
-          <p:cNvPr id="8" name="Espace réservé du pied de page 7"/>
+            <a:endParaRPr lang="en-US" dirty="0"/>
+          </a:p>
+        </p:txBody>
+      </p:sp>
+      <p:sp>
+        <p:nvSpPr>
+          <p:cNvPr id="8" name="Footer Placeholder 7"/>
           <p:cNvSpPr>
             <a:spLocks noGrp="1"/>
           </p:cNvSpPr>
@@ -1624,13 +1967,13 @@
           <a:bodyPr/>
           <a:lstStyle/>
           <a:p>
-            <a:endParaRPr lang="fr-FR"/>
-          </a:p>
-        </p:txBody>
-      </p:sp>
-      <p:sp>
-        <p:nvSpPr>
-          <p:cNvPr id="9" name="Espace réservé du numéro de diapositive 8"/>
+            <a:endParaRPr lang="en-US" dirty="0"/>
+          </a:p>
+        </p:txBody>
+      </p:sp>
+      <p:sp>
+        <p:nvSpPr>
+          <p:cNvPr id="9" name="Slide Number Placeholder 8"/>
           <p:cNvSpPr>
             <a:spLocks noGrp="1"/>
           </p:cNvSpPr>
@@ -1643,20 +1986,15 @@
           <a:bodyPr/>
           <a:lstStyle/>
           <a:p>
-            <a:fld id="{69822CFD-D397-452F-8B34-5E1C1211DD10}" type="slidenum">
-              <a:rPr lang="fr-FR" smtClean="0"/>
+            <a:fld id="{4FAB73BC-B049-4115-A692-8D63A059BFB8}" type="slidenum">
+              <a:rPr lang="en-US" dirty="0"/>
               <a:t>‹N°›</a:t>
             </a:fld>
-            <a:endParaRPr lang="fr-FR"/>
+            <a:endParaRPr lang="en-US" dirty="0"/>
           </a:p>
         </p:txBody>
       </p:sp>
     </p:spTree>
-    <p:extLst>
-      <p:ext uri="{BB962C8B-B14F-4D97-AF65-F5344CB8AC3E}">
-        <p14:creationId xmlns:p14="http://schemas.microsoft.com/office/powerpoint/2010/main" val="2568744946"/>
-      </p:ext>
-    </p:extLst>
   </p:cSld>
   <p:clrMapOvr>
     <a:masterClrMapping/>
@@ -1683,7 +2021,7 @@
       </p:grpSpPr>
       <p:sp>
         <p:nvSpPr>
-          <p:cNvPr id="2" name="Titre 1"/>
+          <p:cNvPr id="2" name="Title 1"/>
           <p:cNvSpPr>
             <a:spLocks noGrp="1"/>
           </p:cNvSpPr>
@@ -1700,13 +2038,13 @@
               <a:rPr lang="fr-FR"/>
               <a:t>Modifiez le style du titre</a:t>
             </a:r>
-            <a:endParaRPr lang="fr-FR"/>
-          </a:p>
-        </p:txBody>
-      </p:sp>
-      <p:sp>
-        <p:nvSpPr>
-          <p:cNvPr id="3" name="Espace réservé de la date 2"/>
+            <a:endParaRPr lang="en-US" dirty="0"/>
+          </a:p>
+        </p:txBody>
+      </p:sp>
+      <p:sp>
+        <p:nvSpPr>
+          <p:cNvPr id="3" name="Date Placeholder 2"/>
           <p:cNvSpPr>
             <a:spLocks noGrp="1"/>
           </p:cNvSpPr>
@@ -1719,17 +2057,17 @@
           <a:bodyPr/>
           <a:lstStyle/>
           <a:p>
-            <a:fld id="{2305A949-A63F-4F53-AFC3-083234D358A0}" type="datetimeFigureOut">
-              <a:rPr lang="fr-FR" smtClean="0"/>
-              <a:t>09/12/2016</a:t>
+            <a:fld id="{C8C39B41-D8B5-4052-B551-9B5525EAA8B6}" type="datetimeFigureOut">
+              <a:rPr lang="en-US" dirty="0"/>
+              <a:t>12/9/2016</a:t>
             </a:fld>
-            <a:endParaRPr lang="fr-FR"/>
-          </a:p>
-        </p:txBody>
-      </p:sp>
-      <p:sp>
-        <p:nvSpPr>
-          <p:cNvPr id="4" name="Espace réservé du pied de page 3"/>
+            <a:endParaRPr lang="en-US" dirty="0"/>
+          </a:p>
+        </p:txBody>
+      </p:sp>
+      <p:sp>
+        <p:nvSpPr>
+          <p:cNvPr id="4" name="Footer Placeholder 3"/>
           <p:cNvSpPr>
             <a:spLocks noGrp="1"/>
           </p:cNvSpPr>
@@ -1742,13 +2080,13 @@
           <a:bodyPr/>
           <a:lstStyle/>
           <a:p>
-            <a:endParaRPr lang="fr-FR"/>
-          </a:p>
-        </p:txBody>
-      </p:sp>
-      <p:sp>
-        <p:nvSpPr>
-          <p:cNvPr id="5" name="Espace réservé du numéro de diapositive 4"/>
+            <a:endParaRPr lang="en-US" dirty="0"/>
+          </a:p>
+        </p:txBody>
+      </p:sp>
+      <p:sp>
+        <p:nvSpPr>
+          <p:cNvPr id="5" name="Slide Number Placeholder 4"/>
           <p:cNvSpPr>
             <a:spLocks noGrp="1"/>
           </p:cNvSpPr>
@@ -1761,20 +2099,15 @@
           <a:bodyPr/>
           <a:lstStyle/>
           <a:p>
-            <a:fld id="{69822CFD-D397-452F-8B34-5E1C1211DD10}" type="slidenum">
-              <a:rPr lang="fr-FR" smtClean="0"/>
+            <a:fld id="{4FAB73BC-B049-4115-A692-8D63A059BFB8}" type="slidenum">
+              <a:rPr lang="en-US" dirty="0"/>
               <a:t>‹N°›</a:t>
             </a:fld>
-            <a:endParaRPr lang="fr-FR"/>
+            <a:endParaRPr lang="en-US" dirty="0"/>
           </a:p>
         </p:txBody>
       </p:sp>
     </p:spTree>
-    <p:extLst>
-      <p:ext uri="{BB962C8B-B14F-4D97-AF65-F5344CB8AC3E}">
-        <p14:creationId xmlns:p14="http://schemas.microsoft.com/office/powerpoint/2010/main" val="570226567"/>
-      </p:ext>
-    </p:extLst>
   </p:cSld>
   <p:clrMapOvr>
     <a:masterClrMapping/>
@@ -1783,7 +2116,7 @@
 </file>
 
 <file path=ppt/slideLayouts/slideLayout7.xml><?xml version="1.0" encoding="utf-8"?>
-<p:sldLayout xmlns:a="http://schemas.openxmlformats.org/drawingml/2006/main" xmlns:r="http://schemas.openxmlformats.org/officeDocument/2006/relationships" xmlns:p="http://schemas.openxmlformats.org/presentationml/2006/main" type="blank" preserve="1">
+<p:sldLayout xmlns:a="http://schemas.openxmlformats.org/drawingml/2006/main" xmlns:r="http://schemas.openxmlformats.org/officeDocument/2006/relationships" xmlns:p="http://schemas.openxmlformats.org/presentationml/2006/main" showMasterSp="0" type="blank" preserve="1">
   <p:cSld name="Vide">
     <p:spTree>
       <p:nvGrpSpPr>
@@ -1801,7 +2134,83 @@
       </p:grpSpPr>
       <p:sp>
         <p:nvSpPr>
-          <p:cNvPr id="2" name="Espace réservé de la date 1"/>
+          <p:cNvPr id="5" name="Rectangle 4"/>
+          <p:cNvSpPr/>
+          <p:nvPr/>
+        </p:nvSpPr>
+        <p:spPr>
+          <a:xfrm>
+            <a:off x="3175" y="6400800"/>
+            <a:ext cx="12188825" cy="457200"/>
+          </a:xfrm>
+          <a:prstGeom prst="rect">
+            <a:avLst/>
+          </a:prstGeom>
+          <a:solidFill>
+            <a:schemeClr val="accent2"/>
+          </a:solidFill>
+          <a:ln>
+            <a:noFill/>
+          </a:ln>
+        </p:spPr>
+        <p:style>
+          <a:lnRef idx="2">
+            <a:schemeClr val="accent1">
+              <a:shade val="50000"/>
+            </a:schemeClr>
+          </a:lnRef>
+          <a:fillRef idx="1">
+            <a:schemeClr val="accent1"/>
+          </a:fillRef>
+          <a:effectRef idx="0">
+            <a:schemeClr val="accent1"/>
+          </a:effectRef>
+          <a:fontRef idx="minor">
+            <a:schemeClr val="lt1"/>
+          </a:fontRef>
+        </p:style>
+      </p:sp>
+      <p:sp>
+        <p:nvSpPr>
+          <p:cNvPr id="6" name="Rectangle 5"/>
+          <p:cNvSpPr/>
+          <p:nvPr/>
+        </p:nvSpPr>
+        <p:spPr>
+          <a:xfrm>
+            <a:off x="15" y="6334316"/>
+            <a:ext cx="12188825" cy="64008"/>
+          </a:xfrm>
+          <a:prstGeom prst="rect">
+            <a:avLst/>
+          </a:prstGeom>
+          <a:solidFill>
+            <a:schemeClr val="accent1"/>
+          </a:solidFill>
+          <a:ln>
+            <a:noFill/>
+          </a:ln>
+        </p:spPr>
+        <p:style>
+          <a:lnRef idx="2">
+            <a:schemeClr val="accent1">
+              <a:shade val="50000"/>
+            </a:schemeClr>
+          </a:lnRef>
+          <a:fillRef idx="1">
+            <a:schemeClr val="accent1"/>
+          </a:fillRef>
+          <a:effectRef idx="0">
+            <a:schemeClr val="accent1"/>
+          </a:effectRef>
+          <a:fontRef idx="minor">
+            <a:schemeClr val="lt1"/>
+          </a:fontRef>
+        </p:style>
+      </p:sp>
+      <p:sp>
+        <p:nvSpPr>
+          <p:cNvPr id="7" name="Date Placeholder 6"/>
           <p:cNvSpPr>
             <a:spLocks noGrp="1"/>
           </p:cNvSpPr>
@@ -1814,17 +2223,17 @@
           <a:bodyPr/>
           <a:lstStyle/>
           <a:p>
-            <a:fld id="{2305A949-A63F-4F53-AFC3-083234D358A0}" type="datetimeFigureOut">
-              <a:rPr lang="fr-FR" smtClean="0"/>
-              <a:t>09/12/2016</a:t>
+            <a:fld id="{4D94136C-8742-45B2-AF27-D93DF72833A9}" type="datetimeFigureOut">
+              <a:rPr lang="en-US" dirty="0"/>
+              <a:t>12/9/2016</a:t>
             </a:fld>
-            <a:endParaRPr lang="fr-FR"/>
-          </a:p>
-        </p:txBody>
-      </p:sp>
-      <p:sp>
-        <p:nvSpPr>
-          <p:cNvPr id="3" name="Espace réservé du pied de page 2"/>
+            <a:endParaRPr lang="en-US" dirty="0"/>
+          </a:p>
+        </p:txBody>
+      </p:sp>
+      <p:sp>
+        <p:nvSpPr>
+          <p:cNvPr id="8" name="Footer Placeholder 7"/>
           <p:cNvSpPr>
             <a:spLocks noGrp="1"/>
           </p:cNvSpPr>
@@ -1835,15 +2244,23 @@
         <p:spPr/>
         <p:txBody>
           <a:bodyPr/>
-          <a:lstStyle/>
-          <a:p>
-            <a:endParaRPr lang="fr-FR"/>
-          </a:p>
-        </p:txBody>
-      </p:sp>
-      <p:sp>
-        <p:nvSpPr>
-          <p:cNvPr id="4" name="Espace réservé du numéro de diapositive 3"/>
+          <a:lstStyle>
+            <a:lvl1pPr>
+              <a:defRPr>
+                <a:solidFill>
+                  <a:srgbClr val="FFFFFF"/>
+                </a:solidFill>
+              </a:defRPr>
+            </a:lvl1pPr>
+          </a:lstStyle>
+          <a:p>
+            <a:endParaRPr lang="en-US" dirty="0"/>
+          </a:p>
+        </p:txBody>
+      </p:sp>
+      <p:sp>
+        <p:nvSpPr>
+          <p:cNvPr id="9" name="Slide Number Placeholder 8"/>
           <p:cNvSpPr>
             <a:spLocks noGrp="1"/>
           </p:cNvSpPr>
@@ -1856,20 +2273,16 @@
           <a:bodyPr/>
           <a:lstStyle/>
           <a:p>
-            <a:fld id="{69822CFD-D397-452F-8B34-5E1C1211DD10}" type="slidenum">
-              <a:rPr lang="fr-FR" smtClean="0"/>
+            <a:fld id="{4FAB73BC-B049-4115-A692-8D63A059BFB8}" type="slidenum">
+              <a:rPr lang="en-US" dirty="0"/>
+              <a:pPr/>
               <a:t>‹N°›</a:t>
             </a:fld>
-            <a:endParaRPr lang="fr-FR"/>
+            <a:endParaRPr lang="en-US" dirty="0"/>
           </a:p>
         </p:txBody>
       </p:sp>
     </p:spTree>
-    <p:extLst>
-      <p:ext uri="{BB962C8B-B14F-4D97-AF65-F5344CB8AC3E}">
-        <p14:creationId xmlns:p14="http://schemas.microsoft.com/office/powerpoint/2010/main" val="3131773"/>
-      </p:ext>
-    </p:extLst>
   </p:cSld>
   <p:clrMapOvr>
     <a:masterClrMapping/>
@@ -1878,7 +2291,7 @@
 </file>
 
 <file path=ppt/slideLayouts/slideLayout8.xml><?xml version="1.0" encoding="utf-8"?>
-<p:sldLayout xmlns:a="http://schemas.openxmlformats.org/drawingml/2006/main" xmlns:r="http://schemas.openxmlformats.org/officeDocument/2006/relationships" xmlns:p="http://schemas.openxmlformats.org/presentationml/2006/main" type="objTx" preserve="1">
+<p:sldLayout xmlns:a="http://schemas.openxmlformats.org/drawingml/2006/main" xmlns:r="http://schemas.openxmlformats.org/officeDocument/2006/relationships" xmlns:p="http://schemas.openxmlformats.org/presentationml/2006/main" showMasterSp="0" type="objTx" preserve="1">
   <p:cSld name="Contenu avec légende">
     <p:spTree>
       <p:nvGrpSpPr>
@@ -1896,25 +2309,107 @@
       </p:grpSpPr>
       <p:sp>
         <p:nvSpPr>
-          <p:cNvPr id="2" name="Titre 1"/>
-          <p:cNvSpPr>
-            <a:spLocks noGrp="1"/>
-          </p:cNvSpPr>
-          <p:nvPr>
-            <p:ph type="title"/>
-          </p:nvPr>
+          <p:cNvPr id="8" name="Rectangle 7"/>
+          <p:cNvSpPr/>
+          <p:nvPr/>
         </p:nvSpPr>
         <p:spPr>
           <a:xfrm>
-            <a:off x="839788" y="457200"/>
-            <a:ext cx="3932237" cy="1600200"/>
+            <a:off x="16" y="0"/>
+            <a:ext cx="4050791" cy="6858000"/>
+          </a:xfrm>
+          <a:prstGeom prst="rect">
+            <a:avLst/>
+          </a:prstGeom>
+          <a:solidFill>
+            <a:schemeClr val="accent2"/>
+          </a:solidFill>
+          <a:ln>
+            <a:noFill/>
+          </a:ln>
+        </p:spPr>
+        <p:style>
+          <a:lnRef idx="2">
+            <a:schemeClr val="accent1">
+              <a:shade val="50000"/>
+            </a:schemeClr>
+          </a:lnRef>
+          <a:fillRef idx="1">
+            <a:schemeClr val="accent1"/>
+          </a:fillRef>
+          <a:effectRef idx="0">
+            <a:schemeClr val="accent1"/>
+          </a:effectRef>
+          <a:fontRef idx="minor">
+            <a:schemeClr val="lt1"/>
+          </a:fontRef>
+        </p:style>
+      </p:sp>
+      <p:sp>
+        <p:nvSpPr>
+          <p:cNvPr id="9" name="Rectangle 8"/>
+          <p:cNvSpPr/>
+          <p:nvPr/>
+        </p:nvSpPr>
+        <p:spPr>
+          <a:xfrm>
+            <a:off x="4040071" y="0"/>
+            <a:ext cx="64008" cy="6858000"/>
+          </a:xfrm>
+          <a:prstGeom prst="rect">
+            <a:avLst/>
+          </a:prstGeom>
+          <a:solidFill>
+            <a:schemeClr val="accent1"/>
+          </a:solidFill>
+          <a:ln>
+            <a:noFill/>
+          </a:ln>
+        </p:spPr>
+        <p:style>
+          <a:lnRef idx="2">
+            <a:schemeClr val="accent1">
+              <a:shade val="50000"/>
+            </a:schemeClr>
+          </a:lnRef>
+          <a:fillRef idx="1">
+            <a:schemeClr val="accent1"/>
+          </a:fillRef>
+          <a:effectRef idx="0">
+            <a:schemeClr val="accent1"/>
+          </a:effectRef>
+          <a:fontRef idx="minor">
+            <a:schemeClr val="lt1"/>
+          </a:fontRef>
+        </p:style>
+      </p:sp>
+      <p:sp>
+        <p:nvSpPr>
+          <p:cNvPr id="2" name="Title 1"/>
+          <p:cNvSpPr>
+            <a:spLocks noGrp="1"/>
+          </p:cNvSpPr>
+          <p:nvPr>
+            <p:ph type="title"/>
+          </p:nvPr>
+        </p:nvSpPr>
+        <p:spPr>
+          <a:xfrm>
+            <a:off x="457200" y="594359"/>
+            <a:ext cx="3200400" cy="2286000"/>
           </a:xfrm>
         </p:spPr>
         <p:txBody>
-          <a:bodyPr anchor="b"/>
+          <a:bodyPr anchor="b">
+            <a:normAutofit/>
+          </a:bodyPr>
           <a:lstStyle>
             <a:lvl1pPr>
-              <a:defRPr sz="3200"/>
+              <a:defRPr sz="3600" b="0">
+                <a:solidFill>
+                  <a:srgbClr val="FFFFFF"/>
+                </a:solidFill>
+              </a:defRPr>
             </a:lvl1pPr>
           </a:lstStyle>
           <a:p>
@@ -1922,13 +2417,13 @@
               <a:rPr lang="fr-FR"/>
               <a:t>Modifiez le style du titre</a:t>
             </a:r>
-            <a:endParaRPr lang="fr-FR"/>
-          </a:p>
-        </p:txBody>
-      </p:sp>
-      <p:sp>
-        <p:nvSpPr>
-          <p:cNvPr id="3" name="Espace réservé du contenu 2"/>
+            <a:endParaRPr lang="en-US" dirty="0"/>
+          </a:p>
+        </p:txBody>
+      </p:sp>
+      <p:sp>
+        <p:nvSpPr>
+          <p:cNvPr id="3" name="Content Placeholder 2"/>
           <p:cNvSpPr>
             <a:spLocks noGrp="1"/>
           </p:cNvSpPr>
@@ -1938,215 +2433,219 @@
         </p:nvSpPr>
         <p:spPr>
           <a:xfrm>
-            <a:off x="5183188" y="987425"/>
-            <a:ext cx="6172200" cy="4873625"/>
+            <a:off x="4800600" y="731520"/>
+            <a:ext cx="6492240" cy="5257800"/>
           </a:xfrm>
         </p:spPr>
         <p:txBody>
           <a:bodyPr/>
+          <a:lstStyle/>
+          <a:p>
+            <a:pPr lvl="0"/>
+            <a:r>
+              <a:rPr lang="fr-FR"/>
+              <a:t>Modifier les styles du texte du masque</a:t>
+            </a:r>
+          </a:p>
+          <a:p>
+            <a:pPr lvl="1"/>
+            <a:r>
+              <a:rPr lang="fr-FR"/>
+              <a:t>Deuxième niveau</a:t>
+            </a:r>
+          </a:p>
+          <a:p>
+            <a:pPr lvl="2"/>
+            <a:r>
+              <a:rPr lang="fr-FR"/>
+              <a:t>Troisième niveau</a:t>
+            </a:r>
+          </a:p>
+          <a:p>
+            <a:pPr lvl="3"/>
+            <a:r>
+              <a:rPr lang="fr-FR"/>
+              <a:t>Quatrième niveau</a:t>
+            </a:r>
+          </a:p>
+          <a:p>
+            <a:pPr lvl="4"/>
+            <a:r>
+              <a:rPr lang="fr-FR"/>
+              <a:t>Cinquième niveau</a:t>
+            </a:r>
+            <a:endParaRPr lang="en-US" dirty="0"/>
+          </a:p>
+        </p:txBody>
+      </p:sp>
+      <p:sp>
+        <p:nvSpPr>
+          <p:cNvPr id="4" name="Text Placeholder 3"/>
+          <p:cNvSpPr>
+            <a:spLocks noGrp="1"/>
+          </p:cNvSpPr>
+          <p:nvPr>
+            <p:ph type="body" sz="half" idx="2"/>
+          </p:nvPr>
+        </p:nvSpPr>
+        <p:spPr>
+          <a:xfrm>
+            <a:off x="457200" y="2926080"/>
+            <a:ext cx="3200400" cy="3379124"/>
+          </a:xfrm>
+        </p:spPr>
+        <p:txBody>
+          <a:bodyPr lIns="91440" rIns="91440">
+            <a:normAutofit/>
+          </a:bodyPr>
+          <a:lstStyle>
+            <a:lvl1pPr marL="0" indent="0">
+              <a:buNone/>
+              <a:defRPr sz="1500">
+                <a:solidFill>
+                  <a:srgbClr val="FFFFFF"/>
+                </a:solidFill>
+              </a:defRPr>
+            </a:lvl1pPr>
+            <a:lvl2pPr marL="457200" indent="0">
+              <a:buNone/>
+              <a:defRPr sz="1200"/>
+            </a:lvl2pPr>
+            <a:lvl3pPr marL="914400" indent="0">
+              <a:buNone/>
+              <a:defRPr sz="1000"/>
+            </a:lvl3pPr>
+            <a:lvl4pPr marL="1371600" indent="0">
+              <a:buNone/>
+              <a:defRPr sz="900"/>
+            </a:lvl4pPr>
+            <a:lvl5pPr marL="1828800" indent="0">
+              <a:buNone/>
+              <a:defRPr sz="900"/>
+            </a:lvl5pPr>
+            <a:lvl6pPr marL="2286000" indent="0">
+              <a:buNone/>
+              <a:defRPr sz="900"/>
+            </a:lvl6pPr>
+            <a:lvl7pPr marL="2743200" indent="0">
+              <a:buNone/>
+              <a:defRPr sz="900"/>
+            </a:lvl7pPr>
+            <a:lvl8pPr marL="3200400" indent="0">
+              <a:buNone/>
+              <a:defRPr sz="900"/>
+            </a:lvl8pPr>
+            <a:lvl9pPr marL="3657600" indent="0">
+              <a:buNone/>
+              <a:defRPr sz="900"/>
+            </a:lvl9pPr>
+          </a:lstStyle>
+          <a:p>
+            <a:pPr lvl="0"/>
+            <a:r>
+              <a:rPr lang="fr-FR"/>
+              <a:t>Modifier les styles du texte du masque</a:t>
+            </a:r>
+          </a:p>
+        </p:txBody>
+      </p:sp>
+      <p:sp>
+        <p:nvSpPr>
+          <p:cNvPr id="5" name="Date Placeholder 4"/>
+          <p:cNvSpPr>
+            <a:spLocks noGrp="1"/>
+          </p:cNvSpPr>
+          <p:nvPr>
+            <p:ph type="dt" sz="half" idx="10"/>
+          </p:nvPr>
+        </p:nvSpPr>
+        <p:spPr>
+          <a:xfrm>
+            <a:off x="465512" y="6459785"/>
+            <a:ext cx="2618510" cy="365125"/>
+          </a:xfrm>
+        </p:spPr>
+        <p:txBody>
+          <a:bodyPr/>
+          <a:lstStyle>
+            <a:lvl1pPr algn="l">
+              <a:defRPr/>
+            </a:lvl1pPr>
+          </a:lstStyle>
+          <a:p>
+            <a:fld id="{32ABBEA6-7C60-4B02-AE87-00D78D8422AF}" type="datetimeFigureOut">
+              <a:rPr lang="en-US" dirty="0"/>
+              <a:t>12/9/2016</a:t>
+            </a:fld>
+            <a:endParaRPr lang="en-US" dirty="0"/>
+          </a:p>
+        </p:txBody>
+      </p:sp>
+      <p:sp>
+        <p:nvSpPr>
+          <p:cNvPr id="6" name="Footer Placeholder 5"/>
+          <p:cNvSpPr>
+            <a:spLocks noGrp="1"/>
+          </p:cNvSpPr>
+          <p:nvPr>
+            <p:ph type="ftr" sz="quarter" idx="11"/>
+          </p:nvPr>
+        </p:nvSpPr>
+        <p:spPr>
+          <a:xfrm>
+            <a:off x="4800600" y="6459785"/>
+            <a:ext cx="4648200" cy="365125"/>
+          </a:xfrm>
+        </p:spPr>
+        <p:txBody>
+          <a:bodyPr/>
+          <a:lstStyle>
+            <a:lvl1pPr algn="l">
+              <a:defRPr>
+                <a:solidFill>
+                  <a:schemeClr val="tx2"/>
+                </a:solidFill>
+              </a:defRPr>
+            </a:lvl1pPr>
+          </a:lstStyle>
+          <a:p>
+            <a:endParaRPr lang="en-US" dirty="0"/>
+          </a:p>
+        </p:txBody>
+      </p:sp>
+      <p:sp>
+        <p:nvSpPr>
+          <p:cNvPr id="7" name="Slide Number Placeholder 6"/>
+          <p:cNvSpPr>
+            <a:spLocks noGrp="1"/>
+          </p:cNvSpPr>
+          <p:nvPr>
+            <p:ph type="sldNum" sz="quarter" idx="12"/>
+          </p:nvPr>
+        </p:nvSpPr>
+        <p:spPr/>
+        <p:txBody>
+          <a:bodyPr/>
           <a:lstStyle>
             <a:lvl1pPr>
-              <a:defRPr sz="3200"/>
+              <a:defRPr>
+                <a:solidFill>
+                  <a:schemeClr val="tx2"/>
+                </a:solidFill>
+              </a:defRPr>
             </a:lvl1pPr>
-            <a:lvl2pPr>
-              <a:defRPr sz="2800"/>
-            </a:lvl2pPr>
-            <a:lvl3pPr>
-              <a:defRPr sz="2400"/>
-            </a:lvl3pPr>
-            <a:lvl4pPr>
-              <a:defRPr sz="2000"/>
-            </a:lvl4pPr>
-            <a:lvl5pPr>
-              <a:defRPr sz="2000"/>
-            </a:lvl5pPr>
-            <a:lvl6pPr>
-              <a:defRPr sz="2000"/>
-            </a:lvl6pPr>
-            <a:lvl7pPr>
-              <a:defRPr sz="2000"/>
-            </a:lvl7pPr>
-            <a:lvl8pPr>
-              <a:defRPr sz="2000"/>
-            </a:lvl8pPr>
-            <a:lvl9pPr>
-              <a:defRPr sz="2000"/>
-            </a:lvl9pPr>
           </a:lstStyle>
           <a:p>
-            <a:pPr lvl="0"/>
-            <a:r>
-              <a:rPr lang="fr-FR"/>
-              <a:t>Modifier les styles du texte du masque</a:t>
-            </a:r>
-          </a:p>
-          <a:p>
-            <a:pPr lvl="1"/>
-            <a:r>
-              <a:rPr lang="fr-FR"/>
-              <a:t>Deuxième niveau</a:t>
-            </a:r>
-          </a:p>
-          <a:p>
-            <a:pPr lvl="2"/>
-            <a:r>
-              <a:rPr lang="fr-FR"/>
-              <a:t>Troisième niveau</a:t>
-            </a:r>
-          </a:p>
-          <a:p>
-            <a:pPr lvl="3"/>
-            <a:r>
-              <a:rPr lang="fr-FR"/>
-              <a:t>Quatrième niveau</a:t>
-            </a:r>
-          </a:p>
-          <a:p>
-            <a:pPr lvl="4"/>
-            <a:r>
-              <a:rPr lang="fr-FR"/>
-              <a:t>Cinquième niveau</a:t>
-            </a:r>
-            <a:endParaRPr lang="fr-FR"/>
-          </a:p>
-        </p:txBody>
-      </p:sp>
-      <p:sp>
-        <p:nvSpPr>
-          <p:cNvPr id="4" name="Espace réservé du texte 3"/>
-          <p:cNvSpPr>
-            <a:spLocks noGrp="1"/>
-          </p:cNvSpPr>
-          <p:nvPr>
-            <p:ph type="body" sz="half" idx="2"/>
-          </p:nvPr>
-        </p:nvSpPr>
-        <p:spPr>
-          <a:xfrm>
-            <a:off x="839788" y="2057400"/>
-            <a:ext cx="3932237" cy="3811588"/>
-          </a:xfrm>
-        </p:spPr>
-        <p:txBody>
-          <a:bodyPr/>
-          <a:lstStyle>
-            <a:lvl1pPr marL="0" indent="0">
-              <a:buNone/>
-              <a:defRPr sz="1600"/>
-            </a:lvl1pPr>
-            <a:lvl2pPr marL="457200" indent="0">
-              <a:buNone/>
-              <a:defRPr sz="1400"/>
-            </a:lvl2pPr>
-            <a:lvl3pPr marL="914400" indent="0">
-              <a:buNone/>
-              <a:defRPr sz="1200"/>
-            </a:lvl3pPr>
-            <a:lvl4pPr marL="1371600" indent="0">
-              <a:buNone/>
-              <a:defRPr sz="1000"/>
-            </a:lvl4pPr>
-            <a:lvl5pPr marL="1828800" indent="0">
-              <a:buNone/>
-              <a:defRPr sz="1000"/>
-            </a:lvl5pPr>
-            <a:lvl6pPr marL="2286000" indent="0">
-              <a:buNone/>
-              <a:defRPr sz="1000"/>
-            </a:lvl6pPr>
-            <a:lvl7pPr marL="2743200" indent="0">
-              <a:buNone/>
-              <a:defRPr sz="1000"/>
-            </a:lvl7pPr>
-            <a:lvl8pPr marL="3200400" indent="0">
-              <a:buNone/>
-              <a:defRPr sz="1000"/>
-            </a:lvl8pPr>
-            <a:lvl9pPr marL="3657600" indent="0">
-              <a:buNone/>
-              <a:defRPr sz="1000"/>
-            </a:lvl9pPr>
-          </a:lstStyle>
-          <a:p>
-            <a:pPr lvl="0"/>
-            <a:r>
-              <a:rPr lang="fr-FR"/>
-              <a:t>Modifier les styles du texte du masque</a:t>
-            </a:r>
-          </a:p>
-        </p:txBody>
-      </p:sp>
-      <p:sp>
-        <p:nvSpPr>
-          <p:cNvPr id="5" name="Espace réservé de la date 4"/>
-          <p:cNvSpPr>
-            <a:spLocks noGrp="1"/>
-          </p:cNvSpPr>
-          <p:nvPr>
-            <p:ph type="dt" sz="half" idx="10"/>
-          </p:nvPr>
-        </p:nvSpPr>
-        <p:spPr/>
-        <p:txBody>
-          <a:bodyPr/>
-          <a:lstStyle/>
-          <a:p>
-            <a:fld id="{2305A949-A63F-4F53-AFC3-083234D358A0}" type="datetimeFigureOut">
-              <a:rPr lang="fr-FR" smtClean="0"/>
-              <a:t>09/12/2016</a:t>
-            </a:fld>
-            <a:endParaRPr lang="fr-FR"/>
-          </a:p>
-        </p:txBody>
-      </p:sp>
-      <p:sp>
-        <p:nvSpPr>
-          <p:cNvPr id="6" name="Espace réservé du pied de page 5"/>
-          <p:cNvSpPr>
-            <a:spLocks noGrp="1"/>
-          </p:cNvSpPr>
-          <p:nvPr>
-            <p:ph type="ftr" sz="quarter" idx="11"/>
-          </p:nvPr>
-        </p:nvSpPr>
-        <p:spPr/>
-        <p:txBody>
-          <a:bodyPr/>
-          <a:lstStyle/>
-          <a:p>
-            <a:endParaRPr lang="fr-FR"/>
-          </a:p>
-        </p:txBody>
-      </p:sp>
-      <p:sp>
-        <p:nvSpPr>
-          <p:cNvPr id="7" name="Espace réservé du numéro de diapositive 6"/>
-          <p:cNvSpPr>
-            <a:spLocks noGrp="1"/>
-          </p:cNvSpPr>
-          <p:nvPr>
-            <p:ph type="sldNum" sz="quarter" idx="12"/>
-          </p:nvPr>
-        </p:nvSpPr>
-        <p:spPr/>
-        <p:txBody>
-          <a:bodyPr/>
-          <a:lstStyle/>
-          <a:p>
-            <a:fld id="{69822CFD-D397-452F-8B34-5E1C1211DD10}" type="slidenum">
-              <a:rPr lang="fr-FR" smtClean="0"/>
+            <a:fld id="{4FAB73BC-B049-4115-A692-8D63A059BFB8}" type="slidenum">
+              <a:rPr lang="en-US" dirty="0"/>
+              <a:pPr/>
               <a:t>‹N°›</a:t>
             </a:fld>
-            <a:endParaRPr lang="fr-FR"/>
+            <a:endParaRPr lang="en-US" dirty="0"/>
           </a:p>
         </p:txBody>
       </p:sp>
     </p:spTree>
-    <p:extLst>
-      <p:ext uri="{BB962C8B-B14F-4D97-AF65-F5344CB8AC3E}">
-        <p14:creationId xmlns:p14="http://schemas.microsoft.com/office/powerpoint/2010/main" val="3181881082"/>
-      </p:ext>
-    </p:extLst>
   </p:cSld>
   <p:clrMapOvr>
     <a:masterClrMapping/>
@@ -2155,7 +2654,7 @@
 </file>
 
 <file path=ppt/slideLayouts/slideLayout9.xml><?xml version="1.0" encoding="utf-8"?>
-<p:sldLayout xmlns:a="http://schemas.openxmlformats.org/drawingml/2006/main" xmlns:r="http://schemas.openxmlformats.org/officeDocument/2006/relationships" xmlns:p="http://schemas.openxmlformats.org/presentationml/2006/main" type="picTx" preserve="1">
+<p:sldLayout xmlns:a="http://schemas.openxmlformats.org/drawingml/2006/main" xmlns:r="http://schemas.openxmlformats.org/officeDocument/2006/relationships" xmlns:p="http://schemas.openxmlformats.org/presentationml/2006/main" showMasterSp="0" type="picTx" preserve="1">
   <p:cSld name="Image avec légende">
     <p:spTree>
       <p:nvGrpSpPr>
@@ -2173,25 +2672,107 @@
       </p:grpSpPr>
       <p:sp>
         <p:nvSpPr>
-          <p:cNvPr id="2" name="Titre 1"/>
-          <p:cNvSpPr>
-            <a:spLocks noGrp="1"/>
-          </p:cNvSpPr>
-          <p:nvPr>
-            <p:ph type="title"/>
-          </p:nvPr>
+          <p:cNvPr id="8" name="Rectangle 7"/>
+          <p:cNvSpPr/>
+          <p:nvPr/>
         </p:nvSpPr>
         <p:spPr>
           <a:xfrm>
-            <a:off x="839788" y="457200"/>
-            <a:ext cx="3932237" cy="1600200"/>
+            <a:off x="0" y="4953000"/>
+            <a:ext cx="12188825" cy="1905000"/>
+          </a:xfrm>
+          <a:prstGeom prst="rect">
+            <a:avLst/>
+          </a:prstGeom>
+          <a:solidFill>
+            <a:schemeClr val="accent2"/>
+          </a:solidFill>
+          <a:ln>
+            <a:noFill/>
+          </a:ln>
+        </p:spPr>
+        <p:style>
+          <a:lnRef idx="2">
+            <a:schemeClr val="accent1">
+              <a:shade val="50000"/>
+            </a:schemeClr>
+          </a:lnRef>
+          <a:fillRef idx="1">
+            <a:schemeClr val="accent1"/>
+          </a:fillRef>
+          <a:effectRef idx="0">
+            <a:schemeClr val="accent1"/>
+          </a:effectRef>
+          <a:fontRef idx="minor">
+            <a:schemeClr val="lt1"/>
+          </a:fontRef>
+        </p:style>
+      </p:sp>
+      <p:sp>
+        <p:nvSpPr>
+          <p:cNvPr id="9" name="Rectangle 8"/>
+          <p:cNvSpPr/>
+          <p:nvPr/>
+        </p:nvSpPr>
+        <p:spPr>
+          <a:xfrm>
+            <a:off x="15" y="4915076"/>
+            <a:ext cx="12188825" cy="64008"/>
+          </a:xfrm>
+          <a:prstGeom prst="rect">
+            <a:avLst/>
+          </a:prstGeom>
+          <a:solidFill>
+            <a:schemeClr val="accent1"/>
+          </a:solidFill>
+          <a:ln>
+            <a:noFill/>
+          </a:ln>
+        </p:spPr>
+        <p:style>
+          <a:lnRef idx="2">
+            <a:schemeClr val="accent1">
+              <a:shade val="50000"/>
+            </a:schemeClr>
+          </a:lnRef>
+          <a:fillRef idx="1">
+            <a:schemeClr val="accent1"/>
+          </a:fillRef>
+          <a:effectRef idx="0">
+            <a:schemeClr val="accent1"/>
+          </a:effectRef>
+          <a:fontRef idx="minor">
+            <a:schemeClr val="lt1"/>
+          </a:fontRef>
+        </p:style>
+      </p:sp>
+      <p:sp>
+        <p:nvSpPr>
+          <p:cNvPr id="2" name="Title 1"/>
+          <p:cNvSpPr>
+            <a:spLocks noGrp="1"/>
+          </p:cNvSpPr>
+          <p:nvPr>
+            <p:ph type="title"/>
+          </p:nvPr>
+        </p:nvSpPr>
+        <p:spPr>
+          <a:xfrm>
+            <a:off x="1097280" y="5074920"/>
+            <a:ext cx="10113264" cy="822960"/>
           </a:xfrm>
         </p:spPr>
         <p:txBody>
-          <a:bodyPr anchor="b"/>
+          <a:bodyPr lIns="91440" tIns="0" rIns="91440" bIns="0" anchor="b">
+            <a:noAutofit/>
+          </a:bodyPr>
           <a:lstStyle>
             <a:lvl1pPr>
-              <a:defRPr sz="3200"/>
+              <a:defRPr sz="3600" b="0">
+                <a:solidFill>
+                  <a:srgbClr val="FFFFFF"/>
+                </a:solidFill>
+              </a:defRPr>
             </a:lvl1pPr>
           </a:lstStyle>
           <a:p>
@@ -2199,15 +2780,15 @@
               <a:rPr lang="fr-FR"/>
               <a:t>Modifiez le style du titre</a:t>
             </a:r>
-            <a:endParaRPr lang="fr-FR"/>
-          </a:p>
-        </p:txBody>
-      </p:sp>
-      <p:sp>
-        <p:nvSpPr>
-          <p:cNvPr id="3" name="Espace réservé pour une image  2"/>
-          <p:cNvSpPr>
-            <a:spLocks noGrp="1"/>
+            <a:endParaRPr lang="en-US" dirty="0"/>
+          </a:p>
+        </p:txBody>
+      </p:sp>
+      <p:sp>
+        <p:nvSpPr>
+          <p:cNvPr id="3" name="Picture Placeholder 2"/>
+          <p:cNvSpPr>
+            <a:spLocks noGrp="1" noChangeAspect="1"/>
           </p:cNvSpPr>
           <p:nvPr>
             <p:ph type="pic" idx="1"/>
@@ -2215,16 +2796,26 @@
         </p:nvSpPr>
         <p:spPr>
           <a:xfrm>
-            <a:off x="5183188" y="987425"/>
-            <a:ext cx="6172200" cy="4873625"/>
+            <a:off x="15" y="0"/>
+            <a:ext cx="12191985" cy="4915076"/>
           </a:xfrm>
+          <a:blipFill>
+            <a:blip r:embed="rId2"/>
+            <a:stretch>
+              <a:fillRect/>
+            </a:stretch>
+          </a:blipFill>
         </p:spPr>
         <p:txBody>
-          <a:bodyPr/>
+          <a:bodyPr lIns="457200" tIns="457200" anchor="t"/>
           <a:lstStyle>
             <a:lvl1pPr marL="0" indent="0">
               <a:buNone/>
-              <a:defRPr sz="3200"/>
+              <a:defRPr sz="3200">
+                <a:solidFill>
+                  <a:schemeClr val="bg1"/>
+                </a:solidFill>
+              </a:defRPr>
             </a:lvl1pPr>
             <a:lvl2pPr marL="457200" indent="0">
               <a:buNone/>
@@ -2260,13 +2851,17 @@
             </a:lvl9pPr>
           </a:lstStyle>
           <a:p>
-            <a:endParaRPr lang="fr-FR"/>
-          </a:p>
-        </p:txBody>
-      </p:sp>
-      <p:sp>
-        <p:nvSpPr>
-          <p:cNvPr id="4" name="Espace réservé du texte 3"/>
+            <a:r>
+              <a:rPr lang="fr-FR"/>
+              <a:t>Cliquez sur l'icône pour ajouter une image</a:t>
+            </a:r>
+            <a:endParaRPr lang="en-US" dirty="0"/>
+          </a:p>
+        </p:txBody>
+      </p:sp>
+      <p:sp>
+        <p:nvSpPr>
+          <p:cNvPr id="4" name="Text Placeholder 3"/>
           <p:cNvSpPr>
             <a:spLocks noGrp="1"/>
           </p:cNvSpPr>
@@ -2276,48 +2871,60 @@
         </p:nvSpPr>
         <p:spPr>
           <a:xfrm>
-            <a:off x="839788" y="2057400"/>
-            <a:ext cx="3932237" cy="3811588"/>
+            <a:off x="1097280" y="5907023"/>
+            <a:ext cx="10113264" cy="594360"/>
           </a:xfrm>
         </p:spPr>
         <p:txBody>
-          <a:bodyPr/>
+          <a:bodyPr lIns="91440" tIns="0" rIns="91440" bIns="0">
+            <a:normAutofit/>
+          </a:bodyPr>
           <a:lstStyle>
             <a:lvl1pPr marL="0" indent="0">
-              <a:buNone/>
-              <a:defRPr sz="1600"/>
+              <a:spcBef>
+                <a:spcPts val="0"/>
+              </a:spcBef>
+              <a:spcAft>
+                <a:spcPts val="600"/>
+              </a:spcAft>
+              <a:buNone/>
+              <a:defRPr sz="1500">
+                <a:solidFill>
+                  <a:srgbClr val="FFFFFF"/>
+                </a:solidFill>
+              </a:defRPr>
             </a:lvl1pPr>
             <a:lvl2pPr marL="457200" indent="0">
               <a:buNone/>
-              <a:defRPr sz="1400"/>
+              <a:defRPr sz="1200"/>
             </a:lvl2pPr>
             <a:lvl3pPr marL="914400" indent="0">
               <a:buNone/>
-              <a:defRPr sz="1200"/>
+              <a:defRPr sz="1000"/>
             </a:lvl3pPr>
             <a:lvl4pPr marL="1371600" indent="0">
               <a:buNone/>
-              <a:defRPr sz="1000"/>
+              <a:defRPr sz="900"/>
             </a:lvl4pPr>
             <a:lvl5pPr marL="1828800" indent="0">
               <a:buNone/>
-              <a:defRPr sz="1000"/>
+              <a:defRPr sz="900"/>
             </a:lvl5pPr>
             <a:lvl6pPr marL="2286000" indent="0">
               <a:buNone/>
-              <a:defRPr sz="1000"/>
+              <a:defRPr sz="900"/>
             </a:lvl6pPr>
             <a:lvl7pPr marL="2743200" indent="0">
               <a:buNone/>
-              <a:defRPr sz="1000"/>
+              <a:defRPr sz="900"/>
             </a:lvl7pPr>
             <a:lvl8pPr marL="3200400" indent="0">
               <a:buNone/>
-              <a:defRPr sz="1000"/>
+              <a:defRPr sz="900"/>
             </a:lvl8pPr>
             <a:lvl9pPr marL="3657600" indent="0">
               <a:buNone/>
-              <a:defRPr sz="1000"/>
+              <a:defRPr sz="900"/>
             </a:lvl9pPr>
           </a:lstStyle>
           <a:p>
@@ -2331,7 +2938,7 @@
       </p:sp>
       <p:sp>
         <p:nvSpPr>
-          <p:cNvPr id="5" name="Espace réservé de la date 4"/>
+          <p:cNvPr id="5" name="Date Placeholder 4"/>
           <p:cNvSpPr>
             <a:spLocks noGrp="1"/>
           </p:cNvSpPr>
@@ -2344,17 +2951,17 @@
           <a:bodyPr/>
           <a:lstStyle/>
           <a:p>
-            <a:fld id="{2305A949-A63F-4F53-AFC3-083234D358A0}" type="datetimeFigureOut">
-              <a:rPr lang="fr-FR" smtClean="0"/>
-              <a:t>09/12/2016</a:t>
+            <a:fld id="{C9CAD897-D46E-4AD2-BD9B-49DD3E640873}" type="datetimeFigureOut">
+              <a:rPr lang="en-US" dirty="0"/>
+              <a:t>12/9/2016</a:t>
             </a:fld>
-            <a:endParaRPr lang="fr-FR"/>
-          </a:p>
-        </p:txBody>
-      </p:sp>
-      <p:sp>
-        <p:nvSpPr>
-          <p:cNvPr id="6" name="Espace réservé du pied de page 5"/>
+            <a:endParaRPr lang="en-US" dirty="0"/>
+          </a:p>
+        </p:txBody>
+      </p:sp>
+      <p:sp>
+        <p:nvSpPr>
+          <p:cNvPr id="6" name="Footer Placeholder 5"/>
           <p:cNvSpPr>
             <a:spLocks noGrp="1"/>
           </p:cNvSpPr>
@@ -2367,13 +2974,13 @@
           <a:bodyPr/>
           <a:lstStyle/>
           <a:p>
-            <a:endParaRPr lang="fr-FR"/>
-          </a:p>
-        </p:txBody>
-      </p:sp>
-      <p:sp>
-        <p:nvSpPr>
-          <p:cNvPr id="7" name="Espace réservé du numéro de diapositive 6"/>
+            <a:endParaRPr lang="en-US" dirty="0"/>
+          </a:p>
+        </p:txBody>
+      </p:sp>
+      <p:sp>
+        <p:nvSpPr>
+          <p:cNvPr id="7" name="Slide Number Placeholder 6"/>
           <p:cNvSpPr>
             <a:spLocks noGrp="1"/>
           </p:cNvSpPr>
@@ -2386,20 +2993,15 @@
           <a:bodyPr/>
           <a:lstStyle/>
           <a:p>
-            <a:fld id="{69822CFD-D397-452F-8B34-5E1C1211DD10}" type="slidenum">
-              <a:rPr lang="fr-FR" smtClean="0"/>
+            <a:fld id="{4FAB73BC-B049-4115-A692-8D63A059BFB8}" type="slidenum">
+              <a:rPr lang="en-US" dirty="0"/>
               <a:t>‹N°›</a:t>
             </a:fld>
-            <a:endParaRPr lang="fr-FR"/>
+            <a:endParaRPr lang="en-US" dirty="0"/>
           </a:p>
         </p:txBody>
       </p:sp>
     </p:spTree>
-    <p:extLst>
-      <p:ext uri="{BB962C8B-B14F-4D97-AF65-F5344CB8AC3E}">
-        <p14:creationId xmlns:p14="http://schemas.microsoft.com/office/powerpoint/2010/main" val="3788365798"/>
-      </p:ext>
-    </p:extLst>
   </p:cSld>
   <p:clrMapOvr>
     <a:masterClrMapping/>
@@ -2431,25 +3033,101 @@
       </p:grpSpPr>
       <p:sp>
         <p:nvSpPr>
-          <p:cNvPr id="2" name="Espace réservé du titre 1"/>
-          <p:cNvSpPr>
-            <a:spLocks noGrp="1"/>
-          </p:cNvSpPr>
-          <p:nvPr>
-            <p:ph type="title"/>
-          </p:nvPr>
+          <p:cNvPr id="7" name="Rectangle 6"/>
+          <p:cNvSpPr/>
+          <p:nvPr/>
         </p:nvSpPr>
         <p:spPr>
           <a:xfrm>
-            <a:off x="838200" y="365125"/>
-            <a:ext cx="10515600" cy="1325563"/>
+            <a:off x="1" y="6400800"/>
+            <a:ext cx="12192000" cy="457200"/>
+          </a:xfrm>
+          <a:prstGeom prst="rect">
+            <a:avLst/>
+          </a:prstGeom>
+          <a:solidFill>
+            <a:schemeClr val="accent2"/>
+          </a:solidFill>
+          <a:ln>
+            <a:noFill/>
+          </a:ln>
+        </p:spPr>
+        <p:style>
+          <a:lnRef idx="2">
+            <a:schemeClr val="accent1">
+              <a:shade val="50000"/>
+            </a:schemeClr>
+          </a:lnRef>
+          <a:fillRef idx="1">
+            <a:schemeClr val="accent1"/>
+          </a:fillRef>
+          <a:effectRef idx="0">
+            <a:schemeClr val="accent1"/>
+          </a:effectRef>
+          <a:fontRef idx="minor">
+            <a:schemeClr val="lt1"/>
+          </a:fontRef>
+        </p:style>
+      </p:sp>
+      <p:sp>
+        <p:nvSpPr>
+          <p:cNvPr id="9" name="Rectangle 8"/>
+          <p:cNvSpPr/>
+          <p:nvPr/>
+        </p:nvSpPr>
+        <p:spPr>
+          <a:xfrm>
+            <a:off x="0" y="6334316"/>
+            <a:ext cx="12192001" cy="65998"/>
+          </a:xfrm>
+          <a:prstGeom prst="rect">
+            <a:avLst/>
+          </a:prstGeom>
+          <a:solidFill>
+            <a:schemeClr val="accent1"/>
+          </a:solidFill>
+          <a:ln>
+            <a:noFill/>
+          </a:ln>
+        </p:spPr>
+        <p:style>
+          <a:lnRef idx="2">
+            <a:schemeClr val="accent1">
+              <a:shade val="50000"/>
+            </a:schemeClr>
+          </a:lnRef>
+          <a:fillRef idx="1">
+            <a:schemeClr val="accent1"/>
+          </a:fillRef>
+          <a:effectRef idx="0">
+            <a:schemeClr val="accent1"/>
+          </a:effectRef>
+          <a:fontRef idx="minor">
+            <a:schemeClr val="lt1"/>
+          </a:fontRef>
+        </p:style>
+      </p:sp>
+      <p:sp>
+        <p:nvSpPr>
+          <p:cNvPr id="2" name="Title Placeholder 1"/>
+          <p:cNvSpPr>
+            <a:spLocks noGrp="1"/>
+          </p:cNvSpPr>
+          <p:nvPr>
+            <p:ph type="title"/>
+          </p:nvPr>
+        </p:nvSpPr>
+        <p:spPr>
+          <a:xfrm>
+            <a:off x="1097280" y="286603"/>
+            <a:ext cx="10058400" cy="1450757"/>
           </a:xfrm>
           <a:prstGeom prst="rect">
             <a:avLst/>
           </a:prstGeom>
         </p:spPr>
         <p:txBody>
-          <a:bodyPr vert="horz" lIns="91440" tIns="45720" rIns="91440" bIns="45720" rtlCol="0" anchor="ctr">
+          <a:bodyPr vert="horz" lIns="91440" tIns="45720" rIns="91440" bIns="45720" rtlCol="0" anchor="b">
             <a:normAutofit/>
           </a:bodyPr>
           <a:lstStyle/>
@@ -2458,13 +3136,13 @@
               <a:rPr lang="fr-FR"/>
               <a:t>Modifiez le style du titre</a:t>
             </a:r>
-            <a:endParaRPr lang="fr-FR"/>
-          </a:p>
-        </p:txBody>
-      </p:sp>
-      <p:sp>
-        <p:nvSpPr>
-          <p:cNvPr id="3" name="Espace réservé du texte 2"/>
+            <a:endParaRPr lang="en-US" dirty="0"/>
+          </a:p>
+        </p:txBody>
+      </p:sp>
+      <p:sp>
+        <p:nvSpPr>
+          <p:cNvPr id="3" name="Text Placeholder 2"/>
           <p:cNvSpPr>
             <a:spLocks noGrp="1"/>
           </p:cNvSpPr>
@@ -2474,15 +3152,15 @@
         </p:nvSpPr>
         <p:spPr>
           <a:xfrm>
-            <a:off x="838200" y="1825625"/>
-            <a:ext cx="10515600" cy="4351338"/>
+            <a:off x="1097280" y="1845734"/>
+            <a:ext cx="10058400" cy="4023360"/>
           </a:xfrm>
           <a:prstGeom prst="rect">
             <a:avLst/>
           </a:prstGeom>
         </p:spPr>
         <p:txBody>
-          <a:bodyPr vert="horz" lIns="91440" tIns="45720" rIns="91440" bIns="45720" rtlCol="0">
+          <a:bodyPr vert="horz" lIns="0" tIns="45720" rIns="0" bIns="45720" rtlCol="0">
             <a:normAutofit/>
           </a:bodyPr>
           <a:lstStyle/>
@@ -2520,13 +3198,13 @@
               <a:rPr lang="fr-FR"/>
               <a:t>Cinquième niveau</a:t>
             </a:r>
-            <a:endParaRPr lang="fr-FR"/>
-          </a:p>
-        </p:txBody>
-      </p:sp>
-      <p:sp>
-        <p:nvSpPr>
-          <p:cNvPr id="4" name="Espace réservé de la date 3"/>
+            <a:endParaRPr lang="en-US" dirty="0"/>
+          </a:p>
+        </p:txBody>
+      </p:sp>
+      <p:sp>
+        <p:nvSpPr>
+          <p:cNvPr id="4" name="Date Placeholder 3"/>
           <p:cNvSpPr>
             <a:spLocks noGrp="1"/>
           </p:cNvSpPr>
@@ -2536,8 +3214,8 @@
         </p:nvSpPr>
         <p:spPr>
           <a:xfrm>
-            <a:off x="838200" y="6356350"/>
-            <a:ext cx="2743200" cy="365125"/>
+            <a:off x="1097280" y="6459785"/>
+            <a:ext cx="2472271" cy="365125"/>
           </a:xfrm>
           <a:prstGeom prst="rect">
             <a:avLst/>
@@ -2547,27 +3225,25 @@
           <a:bodyPr vert="horz" lIns="91440" tIns="45720" rIns="91440" bIns="45720" rtlCol="0" anchor="ctr"/>
           <a:lstStyle>
             <a:lvl1pPr algn="l">
-              <a:defRPr sz="1200">
+              <a:defRPr sz="900">
                 <a:solidFill>
-                  <a:schemeClr val="tx1">
-                    <a:tint val="75000"/>
-                  </a:schemeClr>
+                  <a:srgbClr val="FFFFFF"/>
                 </a:solidFill>
               </a:defRPr>
             </a:lvl1pPr>
           </a:lstStyle>
           <a:p>
-            <a:fld id="{2305A949-A63F-4F53-AFC3-083234D358A0}" type="datetimeFigureOut">
-              <a:rPr lang="fr-FR" smtClean="0"/>
-              <a:t>09/12/2016</a:t>
+            <a:fld id="{98624D31-43A5-475A-80CF-332C9F6DCF35}" type="datetimeFigureOut">
+              <a:rPr lang="en-US" dirty="0"/>
+              <a:t>12/9/2016</a:t>
             </a:fld>
-            <a:endParaRPr lang="fr-FR"/>
-          </a:p>
-        </p:txBody>
-      </p:sp>
-      <p:sp>
-        <p:nvSpPr>
-          <p:cNvPr id="5" name="Espace réservé du pied de page 4"/>
+            <a:endParaRPr lang="en-US" dirty="0"/>
+          </a:p>
+        </p:txBody>
+      </p:sp>
+      <p:sp>
+        <p:nvSpPr>
+          <p:cNvPr id="5" name="Footer Placeholder 4"/>
           <p:cNvSpPr>
             <a:spLocks noGrp="1"/>
           </p:cNvSpPr>
@@ -2577,8 +3253,8 @@
         </p:nvSpPr>
         <p:spPr>
           <a:xfrm>
-            <a:off x="4038600" y="6356350"/>
-            <a:ext cx="4114800" cy="365125"/>
+            <a:off x="3686185" y="6459785"/>
+            <a:ext cx="4822804" cy="365125"/>
           </a:xfrm>
           <a:prstGeom prst="rect">
             <a:avLst/>
@@ -2588,23 +3264,21 @@
           <a:bodyPr vert="horz" lIns="91440" tIns="45720" rIns="91440" bIns="45720" rtlCol="0" anchor="ctr"/>
           <a:lstStyle>
             <a:lvl1pPr algn="ctr">
-              <a:defRPr sz="1200">
+              <a:defRPr sz="900" cap="all" baseline="0">
                 <a:solidFill>
-                  <a:schemeClr val="tx1">
-                    <a:tint val="75000"/>
-                  </a:schemeClr>
+                  <a:srgbClr val="FFFFFF"/>
                 </a:solidFill>
               </a:defRPr>
             </a:lvl1pPr>
           </a:lstStyle>
           <a:p>
-            <a:endParaRPr lang="fr-FR"/>
-          </a:p>
-        </p:txBody>
-      </p:sp>
-      <p:sp>
-        <p:nvSpPr>
-          <p:cNvPr id="6" name="Espace réservé du numéro de diapositive 5"/>
+            <a:endParaRPr lang="en-US" dirty="0"/>
+          </a:p>
+        </p:txBody>
+      </p:sp>
+      <p:sp>
+        <p:nvSpPr>
+          <p:cNvPr id="6" name="Slide Number Placeholder 5"/>
           <p:cNvSpPr>
             <a:spLocks noGrp="1"/>
           </p:cNvSpPr>
@@ -2614,8 +3288,8 @@
         </p:nvSpPr>
         <p:spPr>
           <a:xfrm>
-            <a:off x="8610600" y="6356350"/>
-            <a:ext cx="2743200" cy="365125"/>
+            <a:off x="9900458" y="6459785"/>
+            <a:ext cx="1312025" cy="365125"/>
           </a:xfrm>
           <a:prstGeom prst="rect">
             <a:avLst/>
@@ -2625,35 +3299,67 @@
           <a:bodyPr vert="horz" lIns="91440" tIns="45720" rIns="91440" bIns="45720" rtlCol="0" anchor="ctr"/>
           <a:lstStyle>
             <a:lvl1pPr algn="r">
-              <a:defRPr sz="1200">
+              <a:defRPr sz="1050">
                 <a:solidFill>
-                  <a:schemeClr val="tx1">
-                    <a:tint val="75000"/>
-                  </a:schemeClr>
+                  <a:srgbClr val="FFFFFF"/>
                 </a:solidFill>
               </a:defRPr>
             </a:lvl1pPr>
           </a:lstStyle>
           <a:p>
-            <a:fld id="{69822CFD-D397-452F-8B34-5E1C1211DD10}" type="slidenum">
-              <a:rPr lang="fr-FR" smtClean="0"/>
+            <a:fld id="{4FAB73BC-B049-4115-A692-8D63A059BFB8}" type="slidenum">
+              <a:rPr lang="en-US" dirty="0"/>
+              <a:pPr/>
               <a:t>‹N°›</a:t>
             </a:fld>
-            <a:endParaRPr lang="fr-FR"/>
-          </a:p>
-        </p:txBody>
-      </p:sp>
+            <a:endParaRPr lang="en-US" dirty="0"/>
+          </a:p>
+        </p:txBody>
+      </p:sp>
+      <p:cxnSp>
+        <p:nvCxnSpPr>
+          <p:cNvPr id="10" name="Straight Connector 9"/>
+          <p:cNvCxnSpPr/>
+          <p:nvPr/>
+        </p:nvCxnSpPr>
+        <p:spPr>
+          <a:xfrm>
+            <a:off x="1193532" y="1737845"/>
+            <a:ext cx="9966960" cy="0"/>
+          </a:xfrm>
+          <a:prstGeom prst="line">
+            <a:avLst/>
+          </a:prstGeom>
+          <a:ln w="6350">
+            <a:solidFill>
+              <a:schemeClr val="tx1">
+                <a:lumMod val="50000"/>
+                <a:lumOff val="50000"/>
+              </a:schemeClr>
+            </a:solidFill>
+          </a:ln>
+        </p:spPr>
+        <p:style>
+          <a:lnRef idx="1">
+            <a:schemeClr val="accent1"/>
+          </a:lnRef>
+          <a:fillRef idx="0">
+            <a:schemeClr val="accent1"/>
+          </a:fillRef>
+          <a:effectRef idx="0">
+            <a:schemeClr val="accent1"/>
+          </a:effectRef>
+          <a:fontRef idx="minor">
+            <a:schemeClr val="tx1"/>
+          </a:fontRef>
+        </p:style>
+      </p:cxnSp>
     </p:spTree>
-    <p:extLst>
-      <p:ext uri="{BB962C8B-B14F-4D97-AF65-F5344CB8AC3E}">
-        <p14:creationId xmlns:p14="http://schemas.microsoft.com/office/powerpoint/2010/main" val="2004076163"/>
-      </p:ext>
-    </p:extLst>
   </p:cSld>
   <p:clrMap bg1="lt1" tx1="dk1" bg2="lt2" tx2="dk2" accent1="accent1" accent2="accent2" accent3="accent3" accent4="accent4" accent5="accent5" accent6="accent6" hlink="hlink" folHlink="folHlink"/>
   <p:sldLayoutIdLst>
     <p:sldLayoutId id="2147483649" r:id="rId1"/>
-    <p:sldLayoutId id="2147483650" r:id="rId2"/>
+    <p:sldLayoutId id="2147483660" r:id="rId2"/>
     <p:sldLayoutId id="2147483651" r:id="rId3"/>
     <p:sldLayoutId id="2147483652" r:id="rId4"/>
     <p:sldLayoutId id="2147483653" r:id="rId5"/>
@@ -2664,19 +3370,23 @@
     <p:sldLayoutId id="2147483658" r:id="rId10"/>
     <p:sldLayoutId id="2147483659" r:id="rId11"/>
   </p:sldLayoutIdLst>
+  <p:hf sldNum="0" hdr="0" ftr="0" dt="0"/>
   <p:txStyles>
     <p:titleStyle>
       <a:lvl1pPr algn="l" defTabSz="914400" rtl="0" eaLnBrk="1" latinLnBrk="0" hangingPunct="1">
         <a:lnSpc>
-          <a:spcPct val="90000"/>
+          <a:spcPct val="85000"/>
         </a:lnSpc>
         <a:spcBef>
           <a:spcPct val="0"/>
         </a:spcBef>
         <a:buNone/>
-        <a:defRPr sz="4400" kern="1200">
+        <a:defRPr sz="4800" kern="1200" spc="-50" baseline="0">
           <a:solidFill>
-            <a:schemeClr val="tx1"/>
+            <a:schemeClr val="tx1">
+              <a:lumMod val="75000"/>
+              <a:lumOff val="25000"/>
+            </a:schemeClr>
           </a:solidFill>
           <a:latin typeface="+mj-lt"/>
           <a:ea typeface="+mj-ea"/>
@@ -2685,162 +3395,244 @@
       </a:lvl1pPr>
     </p:titleStyle>
     <p:bodyStyle>
-      <a:lvl1pPr marL="228600" indent="-228600" algn="l" defTabSz="914400" rtl="0" eaLnBrk="1" latinLnBrk="0" hangingPunct="1">
+      <a:lvl1pPr marL="91440" indent="-91440" algn="l" defTabSz="914400" rtl="0" eaLnBrk="1" latinLnBrk="0" hangingPunct="1">
         <a:lnSpc>
           <a:spcPct val="90000"/>
         </a:lnSpc>
         <a:spcBef>
-          <a:spcPts val="1000"/>
+          <a:spcPts val="1200"/>
         </a:spcBef>
-        <a:buFont typeface="Arial" panose="020B0604020202020204" pitchFamily="34" charset="0"/>
-        <a:buChar char="•"/>
-        <a:defRPr sz="2800" kern="1200">
+        <a:spcAft>
+          <a:spcPts val="200"/>
+        </a:spcAft>
+        <a:buClr>
+          <a:schemeClr val="accent1"/>
+        </a:buClr>
+        <a:buSzPct val="100000"/>
+        <a:buFont typeface="Calibri" panose="020F0502020204030204" pitchFamily="34" charset="0"/>
+        <a:buChar char=" "/>
+        <a:defRPr sz="2000" kern="1200">
           <a:solidFill>
-            <a:schemeClr val="tx1"/>
+            <a:schemeClr val="tx1">
+              <a:lumMod val="75000"/>
+              <a:lumOff val="25000"/>
+            </a:schemeClr>
           </a:solidFill>
           <a:latin typeface="+mn-lt"/>
           <a:ea typeface="+mn-ea"/>
           <a:cs typeface="+mn-cs"/>
         </a:defRPr>
       </a:lvl1pPr>
-      <a:lvl2pPr marL="685800" indent="-228600" algn="l" defTabSz="914400" rtl="0" eaLnBrk="1" latinLnBrk="0" hangingPunct="1">
+      <a:lvl2pPr marL="384048" indent="-182880" algn="l" defTabSz="914400" rtl="0" eaLnBrk="1" latinLnBrk="0" hangingPunct="1">
         <a:lnSpc>
           <a:spcPct val="90000"/>
         </a:lnSpc>
         <a:spcBef>
-          <a:spcPts val="500"/>
+          <a:spcPts val="200"/>
         </a:spcBef>
-        <a:buFont typeface="Arial" panose="020B0604020202020204" pitchFamily="34" charset="0"/>
-        <a:buChar char="•"/>
-        <a:defRPr sz="2400" kern="1200">
+        <a:spcAft>
+          <a:spcPts val="400"/>
+        </a:spcAft>
+        <a:buClr>
+          <a:schemeClr val="accent1"/>
+        </a:buClr>
+        <a:buFont typeface="Calibri" pitchFamily="34" charset="0"/>
+        <a:buChar char="◦"/>
+        <a:defRPr sz="1800" kern="1200">
           <a:solidFill>
-            <a:schemeClr val="tx1"/>
+            <a:schemeClr val="tx1">
+              <a:lumMod val="75000"/>
+              <a:lumOff val="25000"/>
+            </a:schemeClr>
           </a:solidFill>
           <a:latin typeface="+mn-lt"/>
           <a:ea typeface="+mn-ea"/>
           <a:cs typeface="+mn-cs"/>
         </a:defRPr>
       </a:lvl2pPr>
-      <a:lvl3pPr marL="1143000" indent="-228600" algn="l" defTabSz="914400" rtl="0" eaLnBrk="1" latinLnBrk="0" hangingPunct="1">
+      <a:lvl3pPr marL="566928" indent="-182880" algn="l" defTabSz="914400" rtl="0" eaLnBrk="1" latinLnBrk="0" hangingPunct="1">
         <a:lnSpc>
           <a:spcPct val="90000"/>
         </a:lnSpc>
         <a:spcBef>
-          <a:spcPts val="500"/>
+          <a:spcPts val="200"/>
         </a:spcBef>
-        <a:buFont typeface="Arial" panose="020B0604020202020204" pitchFamily="34" charset="0"/>
-        <a:buChar char="•"/>
-        <a:defRPr sz="2000" kern="1200">
+        <a:spcAft>
+          <a:spcPts val="400"/>
+        </a:spcAft>
+        <a:buClr>
+          <a:schemeClr val="accent1"/>
+        </a:buClr>
+        <a:buFont typeface="Calibri" pitchFamily="34" charset="0"/>
+        <a:buChar char="◦"/>
+        <a:defRPr sz="1400" kern="1200">
           <a:solidFill>
-            <a:schemeClr val="tx1"/>
+            <a:schemeClr val="tx1">
+              <a:lumMod val="75000"/>
+              <a:lumOff val="25000"/>
+            </a:schemeClr>
           </a:solidFill>
           <a:latin typeface="+mn-lt"/>
           <a:ea typeface="+mn-ea"/>
           <a:cs typeface="+mn-cs"/>
         </a:defRPr>
       </a:lvl3pPr>
-      <a:lvl4pPr marL="1600200" indent="-228600" algn="l" defTabSz="914400" rtl="0" eaLnBrk="1" latinLnBrk="0" hangingPunct="1">
+      <a:lvl4pPr marL="749808" indent="-182880" algn="l" defTabSz="914400" rtl="0" eaLnBrk="1" latinLnBrk="0" hangingPunct="1">
         <a:lnSpc>
           <a:spcPct val="90000"/>
         </a:lnSpc>
         <a:spcBef>
-          <a:spcPts val="500"/>
+          <a:spcPts val="200"/>
         </a:spcBef>
-        <a:buFont typeface="Arial" panose="020B0604020202020204" pitchFamily="34" charset="0"/>
-        <a:buChar char="•"/>
-        <a:defRPr sz="1800" kern="1200">
+        <a:spcAft>
+          <a:spcPts val="400"/>
+        </a:spcAft>
+        <a:buClr>
+          <a:schemeClr val="accent1"/>
+        </a:buClr>
+        <a:buFont typeface="Calibri" pitchFamily="34" charset="0"/>
+        <a:buChar char="◦"/>
+        <a:defRPr sz="1400" kern="1200">
           <a:solidFill>
-            <a:schemeClr val="tx1"/>
+            <a:schemeClr val="tx1">
+              <a:lumMod val="75000"/>
+              <a:lumOff val="25000"/>
+            </a:schemeClr>
           </a:solidFill>
           <a:latin typeface="+mn-lt"/>
           <a:ea typeface="+mn-ea"/>
           <a:cs typeface="+mn-cs"/>
         </a:defRPr>
       </a:lvl4pPr>
-      <a:lvl5pPr marL="2057400" indent="-228600" algn="l" defTabSz="914400" rtl="0" eaLnBrk="1" latinLnBrk="0" hangingPunct="1">
+      <a:lvl5pPr marL="932688" indent="-182880" algn="l" defTabSz="914400" rtl="0" eaLnBrk="1" latinLnBrk="0" hangingPunct="1">
         <a:lnSpc>
           <a:spcPct val="90000"/>
         </a:lnSpc>
         <a:spcBef>
-          <a:spcPts val="500"/>
+          <a:spcPts val="200"/>
         </a:spcBef>
-        <a:buFont typeface="Arial" panose="020B0604020202020204" pitchFamily="34" charset="0"/>
-        <a:buChar char="•"/>
-        <a:defRPr sz="1800" kern="1200">
+        <a:spcAft>
+          <a:spcPts val="400"/>
+        </a:spcAft>
+        <a:buClr>
+          <a:schemeClr val="accent1"/>
+        </a:buClr>
+        <a:buFont typeface="Calibri" pitchFamily="34" charset="0"/>
+        <a:buChar char="◦"/>
+        <a:defRPr sz="1400" kern="1200">
           <a:solidFill>
-            <a:schemeClr val="tx1"/>
+            <a:schemeClr val="tx1">
+              <a:lumMod val="75000"/>
+              <a:lumOff val="25000"/>
+            </a:schemeClr>
           </a:solidFill>
           <a:latin typeface="+mn-lt"/>
           <a:ea typeface="+mn-ea"/>
           <a:cs typeface="+mn-cs"/>
         </a:defRPr>
       </a:lvl5pPr>
-      <a:lvl6pPr marL="2514600" indent="-228600" algn="l" defTabSz="914400" rtl="0" eaLnBrk="1" latinLnBrk="0" hangingPunct="1">
+      <a:lvl6pPr marL="1100000" indent="-228600" algn="l" defTabSz="914400" rtl="0" eaLnBrk="1" latinLnBrk="0" hangingPunct="1">
         <a:lnSpc>
           <a:spcPct val="90000"/>
         </a:lnSpc>
         <a:spcBef>
-          <a:spcPts val="500"/>
+          <a:spcPts val="200"/>
         </a:spcBef>
-        <a:buFont typeface="Arial" panose="020B0604020202020204" pitchFamily="34" charset="0"/>
-        <a:buChar char="•"/>
-        <a:defRPr sz="1800" kern="1200">
+        <a:spcAft>
+          <a:spcPts val="400"/>
+        </a:spcAft>
+        <a:buClr>
+          <a:schemeClr val="accent1"/>
+        </a:buClr>
+        <a:buFont typeface="Calibri" pitchFamily="34" charset="0"/>
+        <a:buChar char="◦"/>
+        <a:defRPr sz="1400" kern="1200">
           <a:solidFill>
-            <a:schemeClr val="tx1"/>
+            <a:schemeClr val="tx1">
+              <a:lumMod val="75000"/>
+              <a:lumOff val="25000"/>
+            </a:schemeClr>
           </a:solidFill>
           <a:latin typeface="+mn-lt"/>
           <a:ea typeface="+mn-ea"/>
           <a:cs typeface="+mn-cs"/>
         </a:defRPr>
       </a:lvl6pPr>
-      <a:lvl7pPr marL="2971800" indent="-228600" algn="l" defTabSz="914400" rtl="0" eaLnBrk="1" latinLnBrk="0" hangingPunct="1">
+      <a:lvl7pPr marL="1300000" indent="-228600" algn="l" defTabSz="914400" rtl="0" eaLnBrk="1" latinLnBrk="0" hangingPunct="1">
         <a:lnSpc>
           <a:spcPct val="90000"/>
         </a:lnSpc>
         <a:spcBef>
-          <a:spcPts val="500"/>
+          <a:spcPts val="200"/>
         </a:spcBef>
-        <a:buFont typeface="Arial" panose="020B0604020202020204" pitchFamily="34" charset="0"/>
-        <a:buChar char="•"/>
-        <a:defRPr sz="1800" kern="1200">
+        <a:spcAft>
+          <a:spcPts val="400"/>
+        </a:spcAft>
+        <a:buClr>
+          <a:schemeClr val="accent1"/>
+        </a:buClr>
+        <a:buFont typeface="Calibri" pitchFamily="34" charset="0"/>
+        <a:buChar char="◦"/>
+        <a:defRPr sz="1400" kern="1200">
           <a:solidFill>
-            <a:schemeClr val="tx1"/>
+            <a:schemeClr val="tx1">
+              <a:lumMod val="75000"/>
+              <a:lumOff val="25000"/>
+            </a:schemeClr>
           </a:solidFill>
           <a:latin typeface="+mn-lt"/>
           <a:ea typeface="+mn-ea"/>
           <a:cs typeface="+mn-cs"/>
         </a:defRPr>
       </a:lvl7pPr>
-      <a:lvl8pPr marL="3429000" indent="-228600" algn="l" defTabSz="914400" rtl="0" eaLnBrk="1" latinLnBrk="0" hangingPunct="1">
+      <a:lvl8pPr marL="1500000" indent="-228600" algn="l" defTabSz="914400" rtl="0" eaLnBrk="1" latinLnBrk="0" hangingPunct="1">
         <a:lnSpc>
           <a:spcPct val="90000"/>
         </a:lnSpc>
         <a:spcBef>
-          <a:spcPts val="500"/>
+          <a:spcPts val="200"/>
         </a:spcBef>
-        <a:buFont typeface="Arial" panose="020B0604020202020204" pitchFamily="34" charset="0"/>
-        <a:buChar char="•"/>
-        <a:defRPr sz="1800" kern="1200">
+        <a:spcAft>
+          <a:spcPts val="400"/>
+        </a:spcAft>
+        <a:buClr>
+          <a:schemeClr val="accent1"/>
+        </a:buClr>
+        <a:buFont typeface="Calibri" pitchFamily="34" charset="0"/>
+        <a:buChar char="◦"/>
+        <a:defRPr sz="1400" kern="1200">
           <a:solidFill>
-            <a:schemeClr val="tx1"/>
+            <a:schemeClr val="tx1">
+              <a:lumMod val="75000"/>
+              <a:lumOff val="25000"/>
+            </a:schemeClr>
           </a:solidFill>
           <a:latin typeface="+mn-lt"/>
           <a:ea typeface="+mn-ea"/>
           <a:cs typeface="+mn-cs"/>
         </a:defRPr>
       </a:lvl8pPr>
-      <a:lvl9pPr marL="3886200" indent="-228600" algn="l" defTabSz="914400" rtl="0" eaLnBrk="1" latinLnBrk="0" hangingPunct="1">
+      <a:lvl9pPr marL="1700000" indent="-228600" algn="l" defTabSz="914400" rtl="0" eaLnBrk="1" latinLnBrk="0" hangingPunct="1">
         <a:lnSpc>
           <a:spcPct val="90000"/>
         </a:lnSpc>
         <a:spcBef>
-          <a:spcPts val="500"/>
+          <a:spcPts val="200"/>
         </a:spcBef>
-        <a:buFont typeface="Arial" panose="020B0604020202020204" pitchFamily="34" charset="0"/>
-        <a:buChar char="•"/>
-        <a:defRPr sz="1800" kern="1200">
+        <a:spcAft>
+          <a:spcPts val="400"/>
+        </a:spcAft>
+        <a:buClr>
+          <a:schemeClr val="accent1"/>
+        </a:buClr>
+        <a:buFont typeface="Calibri" pitchFamily="34" charset="0"/>
+        <a:buChar char="◦"/>
+        <a:defRPr sz="1400" kern="1200">
           <a:solidFill>
-            <a:schemeClr val="tx1"/>
+            <a:schemeClr val="tx1">
+              <a:lumMod val="75000"/>
+              <a:lumOff val="25000"/>
+            </a:schemeClr>
           </a:solidFill>
           <a:latin typeface="+mn-lt"/>
           <a:ea typeface="+mn-ea"/>
@@ -2850,7 +3642,7 @@
     </p:bodyStyle>
     <p:otherStyle>
       <a:defPPr>
-        <a:defRPr lang="fr-FR"/>
+        <a:defRPr lang="en-US"/>
       </a:defPPr>
       <a:lvl1pPr marL="0" algn="l" defTabSz="914400" rtl="0" eaLnBrk="1" latinLnBrk="0" hangingPunct="1">
         <a:defRPr sz="1800" kern="1200">
@@ -2980,12 +3772,12 @@
           <a:lstStyle/>
           <a:p>
             <a:r>
-              <a:rPr lang="en-GB" dirty="0"/>
-              <a:t>Presentation</a:t>
+              <a:rPr lang="fr-FR" dirty="0" err="1"/>
+              <a:t>Presentaion</a:t>
             </a:r>
             <a:r>
               <a:rPr lang="fr-FR" dirty="0"/>
-              <a:t> Plan</a:t>
+              <a:t> plan</a:t>
             </a:r>
           </a:p>
         </p:txBody>
@@ -3006,8 +3798,12 @@
           <a:lstStyle/>
           <a:p>
             <a:r>
-              <a:rPr lang="en-GB" dirty="0"/>
-              <a:t>Only the structure of the presentation</a:t>
+              <a:rPr lang="fr-FR" dirty="0"/>
+              <a:t>Seulement la structure </a:t>
+            </a:r>
+            <a:r>
+              <a:rPr lang="fr-FR"/>
+              <a:t>pour plus tard</a:t>
             </a:r>
           </a:p>
         </p:txBody>
@@ -3015,7 +3811,396 @@
     </p:spTree>
     <p:extLst>
       <p:ext uri="{BB962C8B-B14F-4D97-AF65-F5344CB8AC3E}">
-        <p14:creationId xmlns:p14="http://schemas.microsoft.com/office/powerpoint/2010/main" val="2678257176"/>
+        <p14:creationId xmlns:p14="http://schemas.microsoft.com/office/powerpoint/2010/main" val="1881609805"/>
+      </p:ext>
+    </p:extLst>
+  </p:cSld>
+  <p:clrMapOvr>
+    <a:masterClrMapping/>
+  </p:clrMapOvr>
+</p:sld>
+</file>
+
+<file path=ppt/slides/slide2.xml><?xml version="1.0" encoding="utf-8"?>
+<p:sld xmlns:a="http://schemas.openxmlformats.org/drawingml/2006/main" xmlns:r="http://schemas.openxmlformats.org/officeDocument/2006/relationships" xmlns:p="http://schemas.openxmlformats.org/presentationml/2006/main">
+  <p:cSld>
+    <p:spTree>
+      <p:nvGrpSpPr>
+        <p:cNvPr id="1" name=""/>
+        <p:cNvGrpSpPr/>
+        <p:nvPr/>
+      </p:nvGrpSpPr>
+      <p:grpSpPr>
+        <a:xfrm>
+          <a:off x="0" y="0"/>
+          <a:ext cx="0" cy="0"/>
+          <a:chOff x="0" y="0"/>
+          <a:chExt cx="0" cy="0"/>
+        </a:xfrm>
+      </p:grpSpPr>
+      <p:sp>
+        <p:nvSpPr>
+          <p:cNvPr id="2" name="Titre 1"/>
+          <p:cNvSpPr>
+            <a:spLocks noGrp="1"/>
+          </p:cNvSpPr>
+          <p:nvPr>
+            <p:ph type="title"/>
+          </p:nvPr>
+        </p:nvSpPr>
+        <p:spPr/>
+        <p:txBody>
+          <a:bodyPr/>
+          <a:lstStyle/>
+          <a:p>
+            <a:r>
+              <a:rPr lang="fr-FR" dirty="0"/>
+              <a:t>Expliquer le modèle</a:t>
+            </a:r>
+          </a:p>
+        </p:txBody>
+      </p:sp>
+      <p:sp>
+        <p:nvSpPr>
+          <p:cNvPr id="3" name="Espace réservé du contenu 2"/>
+          <p:cNvSpPr>
+            <a:spLocks noGrp="1"/>
+          </p:cNvSpPr>
+          <p:nvPr>
+            <p:ph idx="1"/>
+          </p:nvPr>
+        </p:nvSpPr>
+        <p:spPr/>
+        <p:txBody>
+          <a:bodyPr/>
+          <a:lstStyle/>
+          <a:p>
+            <a:r>
+              <a:rPr lang="en-GB" dirty="0"/>
+              <a:t>Subject :</a:t>
+            </a:r>
+          </a:p>
+          <a:p>
+            <a:pPr lvl="1"/>
+            <a:r>
+              <a:rPr lang="en-GB" dirty="0"/>
+              <a:t>Math, literacy, agriculture…</a:t>
+            </a:r>
+          </a:p>
+          <a:p>
+            <a:pPr marL="201168" lvl="1" indent="0">
+              <a:buNone/>
+            </a:pPr>
+            <a:endParaRPr lang="en-GB" dirty="0"/>
+          </a:p>
+          <a:p>
+            <a:pPr marL="201168" lvl="1" indent="0">
+              <a:buNone/>
+            </a:pPr>
+            <a:r>
+              <a:rPr lang="en-GB" dirty="0"/>
+              <a:t>Module</a:t>
+            </a:r>
+          </a:p>
+          <a:p>
+            <a:pPr marL="201168" lvl="1" indent="0">
+              <a:buNone/>
+            </a:pPr>
+            <a:r>
+              <a:rPr lang="en-GB" dirty="0"/>
+              <a:t>	Early math, algebra basics, arithmetic,…</a:t>
+            </a:r>
+          </a:p>
+          <a:p>
+            <a:pPr marL="201168" lvl="1" indent="0">
+              <a:buNone/>
+            </a:pPr>
+            <a:endParaRPr lang="en-GB" dirty="0"/>
+          </a:p>
+          <a:p>
+            <a:pPr marL="201168" lvl="1" indent="0">
+              <a:buNone/>
+            </a:pPr>
+            <a:r>
+              <a:rPr lang="en-GB" dirty="0"/>
+              <a:t>Exercise:</a:t>
+            </a:r>
+          </a:p>
+          <a:p>
+            <a:pPr marL="201168" lvl="1" indent="0">
+              <a:buNone/>
+            </a:pPr>
+            <a:r>
+              <a:rPr lang="en-GB" dirty="0"/>
+              <a:t>	Count to 100, addition 1,…</a:t>
+            </a:r>
+          </a:p>
+        </p:txBody>
+      </p:sp>
+    </p:spTree>
+    <p:extLst>
+      <p:ext uri="{BB962C8B-B14F-4D97-AF65-F5344CB8AC3E}">
+        <p14:creationId xmlns:p14="http://schemas.microsoft.com/office/powerpoint/2010/main" val="3610024220"/>
+      </p:ext>
+    </p:extLst>
+  </p:cSld>
+  <p:clrMapOvr>
+    <a:masterClrMapping/>
+  </p:clrMapOvr>
+</p:sld>
+</file>
+
+<file path=ppt/slides/slide3.xml><?xml version="1.0" encoding="utf-8"?>
+<p:sld xmlns:a="http://schemas.openxmlformats.org/drawingml/2006/main" xmlns:r="http://schemas.openxmlformats.org/officeDocument/2006/relationships" xmlns:p="http://schemas.openxmlformats.org/presentationml/2006/main">
+  <p:cSld>
+    <p:spTree>
+      <p:nvGrpSpPr>
+        <p:cNvPr id="1" name=""/>
+        <p:cNvGrpSpPr/>
+        <p:nvPr/>
+      </p:nvGrpSpPr>
+      <p:grpSpPr>
+        <a:xfrm>
+          <a:off x="0" y="0"/>
+          <a:ext cx="0" cy="0"/>
+          <a:chOff x="0" y="0"/>
+          <a:chExt cx="0" cy="0"/>
+        </a:xfrm>
+      </p:grpSpPr>
+      <p:sp>
+        <p:nvSpPr>
+          <p:cNvPr id="2" name="Titre 1"/>
+          <p:cNvSpPr>
+            <a:spLocks noGrp="1"/>
+          </p:cNvSpPr>
+          <p:nvPr>
+            <p:ph type="title"/>
+          </p:nvPr>
+        </p:nvSpPr>
+        <p:spPr/>
+        <p:txBody>
+          <a:bodyPr/>
+          <a:lstStyle/>
+          <a:p>
+            <a:r>
+              <a:rPr lang="fr-FR" dirty="0"/>
+              <a:t>Goal</a:t>
+            </a:r>
+          </a:p>
+        </p:txBody>
+      </p:sp>
+      <p:sp>
+        <p:nvSpPr>
+          <p:cNvPr id="3" name="Espace réservé du contenu 2"/>
+          <p:cNvSpPr>
+            <a:spLocks noGrp="1"/>
+          </p:cNvSpPr>
+          <p:nvPr>
+            <p:ph idx="1"/>
+          </p:nvPr>
+        </p:nvSpPr>
+        <p:spPr/>
+        <p:txBody>
+          <a:bodyPr/>
+          <a:lstStyle/>
+          <a:p>
+            <a:r>
+              <a:rPr lang="fr-FR" dirty="0"/>
+              <a:t>Le but est de personnaliser l’apprentissage afin d’améliorer l’efficacité </a:t>
+            </a:r>
+          </a:p>
+          <a:p>
+            <a:endParaRPr lang="fr-FR" dirty="0"/>
+          </a:p>
+          <a:p>
+            <a:r>
+              <a:rPr lang="fr-FR" dirty="0"/>
+              <a:t>Avant:</a:t>
+            </a:r>
+          </a:p>
+          <a:p>
+            <a:r>
+              <a:rPr lang="fr-FR" dirty="0"/>
+              <a:t>L’élève doit travailler sur un seul module et le finir</a:t>
+            </a:r>
+          </a:p>
+          <a:p>
+            <a:endParaRPr lang="fr-FR" dirty="0"/>
+          </a:p>
+          <a:p>
+            <a:r>
+              <a:rPr lang="fr-FR" dirty="0"/>
+              <a:t>Après:</a:t>
+            </a:r>
+          </a:p>
+          <a:p>
+            <a:r>
+              <a:rPr lang="fr-FR" dirty="0"/>
+              <a:t>- proposer des exercices adaptés au niveau dans chaque module</a:t>
+            </a:r>
+          </a:p>
+        </p:txBody>
+      </p:sp>
+    </p:spTree>
+    <p:extLst>
+      <p:ext uri="{BB962C8B-B14F-4D97-AF65-F5344CB8AC3E}">
+        <p14:creationId xmlns:p14="http://schemas.microsoft.com/office/powerpoint/2010/main" val="2252576044"/>
+      </p:ext>
+    </p:extLst>
+  </p:cSld>
+  <p:clrMapOvr>
+    <a:masterClrMapping/>
+  </p:clrMapOvr>
+</p:sld>
+</file>
+
+<file path=ppt/slides/slide4.xml><?xml version="1.0" encoding="utf-8"?>
+<p:sld xmlns:a="http://schemas.openxmlformats.org/drawingml/2006/main" xmlns:r="http://schemas.openxmlformats.org/officeDocument/2006/relationships" xmlns:p="http://schemas.openxmlformats.org/presentationml/2006/main">
+  <p:cSld>
+    <p:spTree>
+      <p:nvGrpSpPr>
+        <p:cNvPr id="1" name=""/>
+        <p:cNvGrpSpPr/>
+        <p:nvPr/>
+      </p:nvGrpSpPr>
+      <p:grpSpPr>
+        <a:xfrm>
+          <a:off x="0" y="0"/>
+          <a:ext cx="0" cy="0"/>
+          <a:chOff x="0" y="0"/>
+          <a:chExt cx="0" cy="0"/>
+        </a:xfrm>
+      </p:grpSpPr>
+      <p:sp>
+        <p:nvSpPr>
+          <p:cNvPr id="2" name="Titre 1"/>
+          <p:cNvSpPr>
+            <a:spLocks noGrp="1"/>
+          </p:cNvSpPr>
+          <p:nvPr>
+            <p:ph type="title"/>
+          </p:nvPr>
+        </p:nvSpPr>
+        <p:spPr/>
+        <p:txBody>
+          <a:bodyPr/>
+          <a:lstStyle/>
+          <a:p>
+            <a:r>
+              <a:rPr lang="fr-FR" dirty="0"/>
+              <a:t>Solution</a:t>
+            </a:r>
+          </a:p>
+        </p:txBody>
+      </p:sp>
+      <p:sp>
+        <p:nvSpPr>
+          <p:cNvPr id="3" name="Espace réservé du contenu 2"/>
+          <p:cNvSpPr>
+            <a:spLocks noGrp="1"/>
+          </p:cNvSpPr>
+          <p:nvPr>
+            <p:ph idx="1"/>
+          </p:nvPr>
+        </p:nvSpPr>
+        <p:spPr/>
+        <p:txBody>
+          <a:bodyPr/>
+          <a:lstStyle/>
+          <a:p>
+            <a:r>
+              <a:rPr lang="fr-FR" dirty="0"/>
+              <a:t>Créer un profil par élève:</a:t>
+            </a:r>
+          </a:p>
+          <a:p>
+            <a:pPr lvl="1"/>
+            <a:r>
+              <a:rPr lang="fr-FR" dirty="0"/>
+              <a:t>Avancement par module (</a:t>
+            </a:r>
+            <a:r>
+              <a:rPr lang="fr-FR" dirty="0" err="1"/>
+              <a:t>diffuculté</a:t>
+            </a:r>
+            <a:r>
+              <a:rPr lang="fr-FR" dirty="0"/>
+              <a:t> de l’exercice en cours)</a:t>
+            </a:r>
+          </a:p>
+          <a:p>
+            <a:pPr lvl="1"/>
+            <a:r>
+              <a:rPr lang="fr-FR" dirty="0"/>
+              <a:t>Modules en cours</a:t>
+            </a:r>
+          </a:p>
+          <a:p>
+            <a:r>
+              <a:rPr lang="fr-FR" dirty="0"/>
+              <a:t>Classer les exercices par difficulté</a:t>
+            </a:r>
+          </a:p>
+          <a:p>
+            <a:pPr lvl="1"/>
+            <a:r>
+              <a:rPr lang="fr-FR" dirty="0"/>
+              <a:t>Analyse au niveau national </a:t>
+            </a:r>
+            <a:r>
+              <a:rPr lang="fr-FR" dirty="0">
+                <a:sym typeface="Wingdings" panose="05000000000000000000" pitchFamily="2" charset="2"/>
+              </a:rPr>
+              <a:t> Souvent réussi ou pas ?</a:t>
+            </a:r>
+          </a:p>
+          <a:p>
+            <a:pPr lvl="1"/>
+            <a:r>
+              <a:rPr lang="fr-FR" dirty="0">
+                <a:sym typeface="Wingdings" panose="05000000000000000000" pitchFamily="2" charset="2"/>
+              </a:rPr>
+              <a:t>Update locale de temps en temps</a:t>
+            </a:r>
+          </a:p>
+          <a:p>
+            <a:r>
+              <a:rPr lang="fr-FR" dirty="0" err="1">
+                <a:sym typeface="Wingdings" panose="05000000000000000000" pitchFamily="2" charset="2"/>
+              </a:rPr>
+              <a:t>Pairing</a:t>
+            </a:r>
+            <a:endParaRPr lang="fr-FR" dirty="0">
+              <a:sym typeface="Wingdings" panose="05000000000000000000" pitchFamily="2" charset="2"/>
+            </a:endParaRPr>
+          </a:p>
+          <a:p>
+            <a:pPr lvl="1"/>
+            <a:r>
+              <a:rPr lang="fr-FR" dirty="0">
+                <a:sym typeface="Wingdings" panose="05000000000000000000" pitchFamily="2" charset="2"/>
+              </a:rPr>
+              <a:t>Trouver les élèves qui peuvent en </a:t>
+            </a:r>
+            <a:r>
+              <a:rPr lang="fr-FR">
+                <a:sym typeface="Wingdings" panose="05000000000000000000" pitchFamily="2" charset="2"/>
+              </a:rPr>
+              <a:t>aider d’autre</a:t>
+            </a:r>
+            <a:endParaRPr lang="fr-FR" dirty="0">
+              <a:sym typeface="Wingdings" panose="05000000000000000000" pitchFamily="2" charset="2"/>
+            </a:endParaRPr>
+          </a:p>
+          <a:p>
+            <a:endParaRPr lang="fr-FR" dirty="0"/>
+          </a:p>
+        </p:txBody>
+      </p:sp>
+    </p:spTree>
+    <p:extLst>
+      <p:ext uri="{BB962C8B-B14F-4D97-AF65-F5344CB8AC3E}">
+        <p14:creationId xmlns:p14="http://schemas.microsoft.com/office/powerpoint/2010/main" val="3463732802"/>
       </p:ext>
     </p:extLst>
   </p:cSld>
@@ -3026,54 +4211,54 @@
 </file>
 
 <file path=ppt/theme/theme1.xml><?xml version="1.0" encoding="utf-8"?>
-<a:theme xmlns:a="http://schemas.openxmlformats.org/drawingml/2006/main" name="Thème Office">
+<a:theme xmlns:a="http://schemas.openxmlformats.org/drawingml/2006/main" name="Rétrospective">
   <a:themeElements>
-    <a:clrScheme name="Office">
+    <a:clrScheme name="Retrospect">
       <a:dk1>
-        <a:sysClr val="windowText" lastClr="000000"/>
+        <a:srgbClr val="000000"/>
       </a:dk1>
       <a:lt1>
         <a:sysClr val="window" lastClr="FFFFFF"/>
       </a:lt1>
       <a:dk2>
-        <a:srgbClr val="44546A"/>
+        <a:srgbClr val="637052"/>
       </a:dk2>
       <a:lt2>
-        <a:srgbClr val="E7E6E6"/>
+        <a:srgbClr val="CCDDEA"/>
       </a:lt2>
       <a:accent1>
-        <a:srgbClr val="5B9BD5"/>
+        <a:srgbClr val="E48312"/>
       </a:accent1>
       <a:accent2>
-        <a:srgbClr val="ED7D31"/>
+        <a:srgbClr val="BD582C"/>
       </a:accent2>
       <a:accent3>
-        <a:srgbClr val="A5A5A5"/>
+        <a:srgbClr val="865640"/>
       </a:accent3>
       <a:accent4>
-        <a:srgbClr val="FFC000"/>
+        <a:srgbClr val="9B8357"/>
       </a:accent4>
       <a:accent5>
-        <a:srgbClr val="4472C4"/>
+        <a:srgbClr val="C2BC80"/>
       </a:accent5>
       <a:accent6>
-        <a:srgbClr val="70AD47"/>
+        <a:srgbClr val="94A088"/>
       </a:accent6>
       <a:hlink>
-        <a:srgbClr val="0563C1"/>
+        <a:srgbClr val="2998E3"/>
       </a:hlink>
       <a:folHlink>
-        <a:srgbClr val="954F72"/>
+        <a:srgbClr val="8C8C8C"/>
       </a:folHlink>
     </a:clrScheme>
-    <a:fontScheme name="Office">
+    <a:fontScheme name="Retrospect">
       <a:majorFont>
         <a:latin typeface="Calibri Light" panose="020F0302020204030204"/>
         <a:ea typeface=""/>
         <a:cs typeface=""/>
-        <a:font script="Jpan" typeface="游ゴシック Light"/>
+        <a:font script="Jpan" typeface="ＭＳ Ｐゴシック"/>
         <a:font script="Hang" typeface="맑은 고딕"/>
-        <a:font script="Hans" typeface="等线 Light"/>
+        <a:font script="Hans" typeface="宋体"/>
         <a:font script="Hant" typeface="新細明體"/>
         <a:font script="Arab" typeface="Times New Roman"/>
         <a:font script="Hebr" typeface="Times New Roman"/>
@@ -3101,31 +4286,14 @@
         <a:font script="Viet" typeface="Times New Roman"/>
         <a:font script="Uigh" typeface="Microsoft Uighur"/>
         <a:font script="Geor" typeface="Sylfaen"/>
-        <a:font script="Armn" typeface="Arial"/>
-        <a:font script="Bugi" typeface="Leelawadee UI"/>
-        <a:font script="Bopo" typeface="Microsoft JhengHei"/>
-        <a:font script="Java" typeface="Javanese Text"/>
-        <a:font script="Lisu" typeface="Segoe UI"/>
-        <a:font script="Mymr" typeface="Myanmar Text"/>
-        <a:font script="Nkoo" typeface="Ebrima"/>
-        <a:font script="Olck" typeface="Nirmala UI"/>
-        <a:font script="Osma" typeface="Ebrima"/>
-        <a:font script="Phag" typeface="Phagspa"/>
-        <a:font script="Syrn" typeface="Estrangelo Edessa"/>
-        <a:font script="Syrj" typeface="Estrangelo Edessa"/>
-        <a:font script="Syre" typeface="Estrangelo Edessa"/>
-        <a:font script="Sora" typeface="Nirmala UI"/>
-        <a:font script="Tale" typeface="Microsoft Tai Le"/>
-        <a:font script="Talu" typeface="Microsoft New Tai Lue"/>
-        <a:font script="Tfng" typeface="Ebrima"/>
       </a:majorFont>
       <a:minorFont>
         <a:latin typeface="Calibri" panose="020F0502020204030204"/>
         <a:ea typeface=""/>
         <a:cs typeface=""/>
-        <a:font script="Jpan" typeface="游ゴシック"/>
+        <a:font script="Jpan" typeface="ＭＳ Ｐゴシック"/>
         <a:font script="Hang" typeface="맑은 고딕"/>
-        <a:font script="Hans" typeface="等线"/>
+        <a:font script="Hans" typeface="宋体"/>
         <a:font script="Hant" typeface="新細明體"/>
         <a:font script="Arab" typeface="Arial"/>
         <a:font script="Hebr" typeface="Arial"/>
@@ -3153,26 +4321,9 @@
         <a:font script="Viet" typeface="Arial"/>
         <a:font script="Uigh" typeface="Microsoft Uighur"/>
         <a:font script="Geor" typeface="Sylfaen"/>
-        <a:font script="Armn" typeface="Arial"/>
-        <a:font script="Bugi" typeface="Leelawadee UI"/>
-        <a:font script="Bopo" typeface="Microsoft JhengHei"/>
-        <a:font script="Java" typeface="Javanese Text"/>
-        <a:font script="Lisu" typeface="Segoe UI"/>
-        <a:font script="Mymr" typeface="Myanmar Text"/>
-        <a:font script="Nkoo" typeface="Ebrima"/>
-        <a:font script="Olck" typeface="Nirmala UI"/>
-        <a:font script="Osma" typeface="Ebrima"/>
-        <a:font script="Phag" typeface="Phagspa"/>
-        <a:font script="Syrn" typeface="Estrangelo Edessa"/>
-        <a:font script="Syrj" typeface="Estrangelo Edessa"/>
-        <a:font script="Syre" typeface="Estrangelo Edessa"/>
-        <a:font script="Sora" typeface="Nirmala UI"/>
-        <a:font script="Tale" typeface="Microsoft Tai Le"/>
-        <a:font script="Talu" typeface="Microsoft New Tai Lue"/>
-        <a:font script="Tfng" typeface="Ebrima"/>
       </a:minorFont>
     </a:fontScheme>
-    <a:fmtScheme name="Office">
+    <a:fmtScheme name="Retrospect">
       <a:fillStyleLst>
         <a:solidFill>
           <a:schemeClr val="phClr"/>
@@ -3181,76 +4332,81 @@
           <a:gsLst>
             <a:gs pos="0">
               <a:schemeClr val="phClr">
-                <a:lumMod val="110000"/>
-                <a:satMod val="105000"/>
-                <a:tint val="67000"/>
+                <a:tint val="65000"/>
+                <a:shade val="92000"/>
+                <a:satMod val="130000"/>
               </a:schemeClr>
             </a:gs>
-            <a:gs pos="50000">
+            <a:gs pos="45000">
               <a:schemeClr val="phClr">
-                <a:lumMod val="105000"/>
-                <a:satMod val="103000"/>
-                <a:tint val="73000"/>
+                <a:tint val="60000"/>
+                <a:shade val="99000"/>
+                <a:satMod val="120000"/>
               </a:schemeClr>
             </a:gs>
             <a:gs pos="100000">
               <a:schemeClr val="phClr">
-                <a:lumMod val="105000"/>
-                <a:satMod val="109000"/>
-                <a:tint val="81000"/>
+                <a:tint val="55000"/>
+                <a:satMod val="140000"/>
               </a:schemeClr>
             </a:gs>
           </a:gsLst>
-          <a:lin ang="5400000" scaled="0"/>
+          <a:path path="circle">
+            <a:fillToRect l="100000" t="100000" r="100000" b="100000"/>
+          </a:path>
         </a:gradFill>
         <a:gradFill rotWithShape="1">
           <a:gsLst>
             <a:gs pos="0">
               <a:schemeClr val="phClr">
-                <a:satMod val="103000"/>
-                <a:lumMod val="102000"/>
-                <a:tint val="94000"/>
+                <a:shade val="85000"/>
+                <a:satMod val="130000"/>
               </a:schemeClr>
             </a:gs>
-            <a:gs pos="50000">
+            <a:gs pos="34000">
               <a:schemeClr val="phClr">
-                <a:satMod val="110000"/>
-                <a:lumMod val="100000"/>
-                <a:shade val="100000"/>
+                <a:shade val="87000"/>
+                <a:satMod val="125000"/>
+              </a:schemeClr>
+            </a:gs>
+            <a:gs pos="70000">
+              <a:schemeClr val="phClr">
+                <a:tint val="100000"/>
+                <a:shade val="90000"/>
+                <a:satMod val="130000"/>
               </a:schemeClr>
             </a:gs>
             <a:gs pos="100000">
               <a:schemeClr val="phClr">
-                <a:lumMod val="99000"/>
-                <a:satMod val="120000"/>
-                <a:shade val="78000"/>
+                <a:tint val="100000"/>
+                <a:shade val="100000"/>
+                <a:satMod val="110000"/>
               </a:schemeClr>
             </a:gs>
           </a:gsLst>
-          <a:lin ang="5400000" scaled="0"/>
+          <a:path path="circle">
+            <a:fillToRect l="100000" t="100000" r="100000" b="100000"/>
+          </a:path>
         </a:gradFill>
       </a:fillStyleLst>
       <a:lnStyleLst>
-        <a:ln w="6350" cap="flat" cmpd="sng" algn="ctr">
-          <a:solidFill>
-            <a:schemeClr val="phClr"/>
-          </a:solidFill>
-          <a:prstDash val="solid"/>
-          <a:miter lim="800000"/>
-        </a:ln>
         <a:ln w="12700" cap="flat" cmpd="sng" algn="ctr">
           <a:solidFill>
             <a:schemeClr val="phClr"/>
           </a:solidFill>
           <a:prstDash val="solid"/>
-          <a:miter lim="800000"/>
         </a:ln>
-        <a:ln w="19050" cap="flat" cmpd="sng" algn="ctr">
+        <a:ln w="15875" cap="flat" cmpd="sng" algn="ctr">
           <a:solidFill>
             <a:schemeClr val="phClr"/>
           </a:solidFill>
           <a:prstDash val="solid"/>
-          <a:miter lim="800000"/>
+        </a:ln>
+        <a:ln w="25400" cap="flat" cmpd="sng" algn="ctr">
+          <a:solidFill>
+            <a:schemeClr val="phClr"/>
+          </a:solidFill>
+          <a:prstDash val="solid"/>
         </a:ln>
       </a:lnStyleLst>
       <a:effectStyleLst>
@@ -3258,16 +4414,33 @@
           <a:effectLst/>
         </a:effectStyle>
         <a:effectStyle>
-          <a:effectLst/>
+          <a:effectLst>
+            <a:outerShdw blurRad="38100" dist="25400" dir="2700000" algn="br" rotWithShape="0">
+              <a:srgbClr val="000000">
+                <a:alpha val="60000"/>
+              </a:srgbClr>
+            </a:outerShdw>
+          </a:effectLst>
         </a:effectStyle>
         <a:effectStyle>
           <a:effectLst>
-            <a:outerShdw blurRad="57150" dist="19050" dir="5400000" algn="ctr" rotWithShape="0">
+            <a:outerShdw blurRad="44450" dist="25400" dir="2700000" algn="br" rotWithShape="0">
               <a:srgbClr val="000000">
-                <a:alpha val="63000"/>
+                <a:alpha val="60000"/>
               </a:srgbClr>
             </a:outerShdw>
           </a:effectLst>
+          <a:scene3d>
+            <a:camera prst="orthographicFront">
+              <a:rot lat="0" lon="0" rev="0"/>
+            </a:camera>
+            <a:lightRig rig="threePt" dir="t">
+              <a:rot lat="0" lon="0" rev="19800000"/>
+            </a:lightRig>
+          </a:scene3d>
+          <a:sp3d prstMaterial="flat">
+            <a:bevelT w="25400" h="31750"/>
+          </a:sp3d>
         </a:effectStyle>
       </a:effectStyleLst>
       <a:bgFillStyleLst>
@@ -3276,36 +4449,36 @@
         </a:solidFill>
         <a:solidFill>
           <a:schemeClr val="phClr">
-            <a:tint val="95000"/>
-            <a:satMod val="170000"/>
+            <a:tint val="90000"/>
+            <a:shade val="97000"/>
+            <a:satMod val="130000"/>
           </a:schemeClr>
         </a:solidFill>
         <a:gradFill rotWithShape="1">
           <a:gsLst>
             <a:gs pos="0">
               <a:schemeClr val="phClr">
-                <a:tint val="93000"/>
-                <a:satMod val="150000"/>
-                <a:shade val="98000"/>
-                <a:lumMod val="102000"/>
+                <a:tint val="96000"/>
+                <a:shade val="99000"/>
+                <a:satMod val="140000"/>
               </a:schemeClr>
             </a:gs>
-            <a:gs pos="50000">
+            <a:gs pos="65000">
               <a:schemeClr val="phClr">
-                <a:tint val="98000"/>
+                <a:tint val="100000"/>
+                <a:shade val="80000"/>
                 <a:satMod val="130000"/>
-                <a:shade val="90000"/>
-                <a:lumMod val="103000"/>
               </a:schemeClr>
             </a:gs>
             <a:gs pos="100000">
               <a:schemeClr val="phClr">
-                <a:shade val="63000"/>
+                <a:tint val="100000"/>
+                <a:shade val="48000"/>
                 <a:satMod val="120000"/>
               </a:schemeClr>
             </a:gs>
           </a:gsLst>
-          <a:lin ang="5400000" scaled="0"/>
+          <a:lin ang="16200000" scaled="0"/>
         </a:gradFill>
       </a:bgFillStyleLst>
     </a:fmtScheme>
@@ -3314,7 +4487,7 @@
   <a:extraClrSchemeLst/>
   <a:extLst>
     <a:ext uri="{05A4C25C-085E-4340-85A3-A5531E510DB2}">
-      <thm15:themeFamily xmlns:thm15="http://schemas.microsoft.com/office/thememl/2012/main" name="Office Theme" id="{62F939B6-93AF-4DB8-9C6B-D6C7DFDC589F}" vid="{4A3C46E8-61CC-4603-A589-7422A47A8E4A}"/>
+      <thm15:themeFamily xmlns:thm15="http://schemas.microsoft.com/office/thememl/2012/main" name="Retrospect" id="{5F128B03-DCCA-4EEB-AB3B-CF2899314A46}" vid="{3F1AAB62-24C6-49D2-8E01-B56FAC9A3DCD}"/>
     </a:ext>
   </a:extLst>
 </a:theme>

--- a/Presentation/structure.pptx
+++ b/Presentation/structure.pptx
@@ -9,6 +9,7 @@
     <p:sldId id="258" r:id="rId3"/>
     <p:sldId id="257" r:id="rId4"/>
     <p:sldId id="259" r:id="rId5"/>
+    <p:sldId id="260" r:id="rId6"/>
   </p:sldIdLst>
   <p:sldSz cx="12192000" cy="6858000"/>
   <p:notesSz cx="6858000" cy="9144000"/>
@@ -341,7 +342,7 @@
           <a:p>
             <a:fld id="{4BDF68E2-58F2-4D09-BE8B-E3BD06533059}" type="datetimeFigureOut">
               <a:rPr lang="en-US" dirty="0"/>
-              <a:t>12/9/2016</a:t>
+              <a:t>12/10/2016</a:t>
             </a:fld>
             <a:endParaRPr lang="en-US" dirty="0"/>
           </a:p>
@@ -544,7 +545,7 @@
           <a:p>
             <a:fld id="{2E2D6473-DF6D-4702-B328-E0DD40540A4E}" type="datetimeFigureOut">
               <a:rPr lang="en-US" dirty="0"/>
-              <a:t>12/9/2016</a:t>
+              <a:t>12/10/2016</a:t>
             </a:fld>
             <a:endParaRPr lang="en-US" dirty="0"/>
           </a:p>
@@ -795,7 +796,7 @@
           <a:p>
             <a:fld id="{E26F7E3A-B166-407D-9866-32884E7D5B37}" type="datetimeFigureOut">
               <a:rPr lang="en-US" dirty="0"/>
-              <a:t>12/9/2016</a:t>
+              <a:t>12/10/2016</a:t>
             </a:fld>
             <a:endParaRPr lang="en-US" dirty="0"/>
           </a:p>
@@ -964,7 +965,7 @@
           <a:p>
             <a:fld id="{528FC5F6-F338-4AE4-BB23-26385BCFC423}" type="datetimeFigureOut">
               <a:rPr lang="en-US" dirty="0"/>
-              <a:t>12/9/2016</a:t>
+              <a:t>12/10/2016</a:t>
             </a:fld>
             <a:endParaRPr lang="en-US" dirty="0"/>
           </a:p>
@@ -1302,7 +1303,7 @@
           <a:p>
             <a:fld id="{20EBB0C4-6273-4C6E-B9BD-2EDC30F1CD52}" type="datetimeFigureOut">
               <a:rPr lang="en-US" dirty="0"/>
-              <a:t>12/9/2016</a:t>
+              <a:t>12/10/2016</a:t>
             </a:fld>
             <a:endParaRPr lang="en-US" dirty="0"/>
           </a:p>
@@ -1572,7 +1573,7 @@
           <a:p>
             <a:fld id="{19AB4D41-86C1-4908-B66A-0B50CEB3BF29}" type="datetimeFigureOut">
               <a:rPr lang="en-US" dirty="0"/>
-              <a:t>12/9/2016</a:t>
+              <a:t>12/10/2016</a:t>
             </a:fld>
             <a:endParaRPr lang="en-US" dirty="0"/>
           </a:p>
@@ -1946,7 +1947,7 @@
           <a:p>
             <a:fld id="{E6426E2C-56C1-4E0D-A793-0088A7FDD37E}" type="datetimeFigureOut">
               <a:rPr lang="en-US" dirty="0"/>
-              <a:t>12/9/2016</a:t>
+              <a:t>12/10/2016</a:t>
             </a:fld>
             <a:endParaRPr lang="en-US" dirty="0"/>
           </a:p>
@@ -2059,7 +2060,7 @@
           <a:p>
             <a:fld id="{C8C39B41-D8B5-4052-B551-9B5525EAA8B6}" type="datetimeFigureOut">
               <a:rPr lang="en-US" dirty="0"/>
-              <a:t>12/9/2016</a:t>
+              <a:t>12/10/2016</a:t>
             </a:fld>
             <a:endParaRPr lang="en-US" dirty="0"/>
           </a:p>
@@ -2225,7 +2226,7 @@
           <a:p>
             <a:fld id="{4D94136C-8742-45B2-AF27-D93DF72833A9}" type="datetimeFigureOut">
               <a:rPr lang="en-US" dirty="0"/>
-              <a:t>12/9/2016</a:t>
+              <a:t>12/10/2016</a:t>
             </a:fld>
             <a:endParaRPr lang="en-US" dirty="0"/>
           </a:p>
@@ -2575,7 +2576,7 @@
           <a:p>
             <a:fld id="{32ABBEA6-7C60-4B02-AE87-00D78D8422AF}" type="datetimeFigureOut">
               <a:rPr lang="en-US" dirty="0"/>
-              <a:t>12/9/2016</a:t>
+              <a:t>12/10/2016</a:t>
             </a:fld>
             <a:endParaRPr lang="en-US" dirty="0"/>
           </a:p>
@@ -2953,7 +2954,7 @@
           <a:p>
             <a:fld id="{C9CAD897-D46E-4AD2-BD9B-49DD3E640873}" type="datetimeFigureOut">
               <a:rPr lang="en-US" dirty="0"/>
-              <a:t>12/9/2016</a:t>
+              <a:t>12/10/2016</a:t>
             </a:fld>
             <a:endParaRPr lang="en-US" dirty="0"/>
           </a:p>
@@ -3235,7 +3236,7 @@
           <a:p>
             <a:fld id="{98624D31-43A5-475A-80CF-332C9F6DCF35}" type="datetimeFigureOut">
               <a:rPr lang="en-US" dirty="0"/>
-              <a:t>12/9/2016</a:t>
+              <a:t>12/10/2016</a:t>
             </a:fld>
             <a:endParaRPr lang="en-US" dirty="0"/>
           </a:p>
@@ -4210,6 +4211,106 @@
 </p:sld>
 </file>
 
+<file path=ppt/slides/slide5.xml><?xml version="1.0" encoding="utf-8"?>
+<p:sld xmlns:a="http://schemas.openxmlformats.org/drawingml/2006/main" xmlns:r="http://schemas.openxmlformats.org/officeDocument/2006/relationships" xmlns:p="http://schemas.openxmlformats.org/presentationml/2006/main">
+  <p:cSld>
+    <p:spTree>
+      <p:nvGrpSpPr>
+        <p:cNvPr id="1" name=""/>
+        <p:cNvGrpSpPr/>
+        <p:nvPr/>
+      </p:nvGrpSpPr>
+      <p:grpSpPr>
+        <a:xfrm>
+          <a:off x="0" y="0"/>
+          <a:ext cx="0" cy="0"/>
+          <a:chOff x="0" y="0"/>
+          <a:chExt cx="0" cy="0"/>
+        </a:xfrm>
+      </p:grpSpPr>
+      <p:sp>
+        <p:nvSpPr>
+          <p:cNvPr id="2" name="Titre 1"/>
+          <p:cNvSpPr>
+            <a:spLocks noGrp="1"/>
+          </p:cNvSpPr>
+          <p:nvPr>
+            <p:ph type="title"/>
+          </p:nvPr>
+        </p:nvSpPr>
+        <p:spPr/>
+        <p:txBody>
+          <a:bodyPr/>
+          <a:lstStyle/>
+          <a:p>
+            <a:endParaRPr lang="fr-FR"/>
+          </a:p>
+        </p:txBody>
+      </p:sp>
+      <p:sp>
+        <p:nvSpPr>
+          <p:cNvPr id="3" name="Espace réservé du contenu 2"/>
+          <p:cNvSpPr>
+            <a:spLocks noGrp="1"/>
+          </p:cNvSpPr>
+          <p:nvPr>
+            <p:ph idx="1"/>
+          </p:nvPr>
+        </p:nvSpPr>
+        <p:spPr/>
+        <p:txBody>
+          <a:bodyPr/>
+          <a:lstStyle/>
+          <a:p>
+            <a:r>
+              <a:rPr lang="fr-FR" dirty="0" err="1"/>
+              <a:t>Eval</a:t>
+            </a:r>
+            <a:r>
+              <a:rPr lang="fr-FR" dirty="0"/>
+              <a:t> </a:t>
+            </a:r>
+            <a:r>
+              <a:rPr lang="fr-FR" dirty="0" err="1"/>
+              <a:t>apres</a:t>
+            </a:r>
+            <a:r>
+              <a:rPr lang="fr-FR" dirty="0"/>
+              <a:t> une semaine </a:t>
+            </a:r>
+            <a:r>
+              <a:rPr lang="fr-FR" dirty="0" err="1"/>
+              <a:t>apres</a:t>
+            </a:r>
+            <a:r>
+              <a:rPr lang="fr-FR" dirty="0"/>
+              <a:t> un mois</a:t>
+            </a:r>
+          </a:p>
+          <a:p>
+            <a:endParaRPr lang="fr-FR" dirty="0"/>
+          </a:p>
+          <a:p>
+            <a:r>
+              <a:rPr lang="fr-FR" dirty="0"/>
+              <a:t>Test préliminaire</a:t>
+            </a:r>
+          </a:p>
+        </p:txBody>
+      </p:sp>
+    </p:spTree>
+    <p:extLst>
+      <p:ext uri="{BB962C8B-B14F-4D97-AF65-F5344CB8AC3E}">
+        <p14:creationId xmlns:p14="http://schemas.microsoft.com/office/powerpoint/2010/main" val="3256036132"/>
+      </p:ext>
+    </p:extLst>
+  </p:cSld>
+  <p:clrMapOvr>
+    <a:masterClrMapping/>
+  </p:clrMapOvr>
+</p:sld>
+</file>
+
 <file path=ppt/theme/theme1.xml><?xml version="1.0" encoding="utf-8"?>
 <a:theme xmlns:a="http://schemas.openxmlformats.org/drawingml/2006/main" name="Rétrospective">
   <a:themeElements>

--- a/Presentation/structure.pptx
+++ b/Presentation/structure.pptx
@@ -3885,7 +3885,7 @@
             <a:pPr lvl="1"/>
             <a:r>
               <a:rPr lang="en-GB" dirty="0"/>
-              <a:t>Math, literacy, agriculture…</a:t>
+              <a:t>Math, literacy, agriculture… </a:t>
             </a:r>
           </a:p>
           <a:p>
